--- a/chapter3/lecture_3_illustrations.pptx
+++ b/chapter3/lecture_3_illustrations.pptx
@@ -10,6 +10,8 @@
     <p:sldId id="258" r:id="rId4"/>
     <p:sldId id="259" r:id="rId5"/>
     <p:sldId id="260" r:id="rId6"/>
+    <p:sldId id="261" r:id="rId7"/>
+    <p:sldId id="262" r:id="rId8"/>
   </p:sldIdLst>
   <p:sldSz cx="12192000" cy="6858000"/>
   <p:notesSz cx="6858000" cy="9144000"/>
@@ -265,7 +267,7 @@
           <a:p>
             <a:fld id="{BDB53D75-2BBE-924F-AF98-5D44231F7F45}" type="datetimeFigureOut">
               <a:rPr lang="en-US" smtClean="0"/>
-              <a:t>11/24/25</a:t>
+              <a:t>11/25/25</a:t>
             </a:fld>
             <a:endParaRPr lang="en-US"/>
           </a:p>
@@ -465,7 +467,7 @@
           <a:p>
             <a:fld id="{BDB53D75-2BBE-924F-AF98-5D44231F7F45}" type="datetimeFigureOut">
               <a:rPr lang="en-US" smtClean="0"/>
-              <a:t>11/24/25</a:t>
+              <a:t>11/25/25</a:t>
             </a:fld>
             <a:endParaRPr lang="en-US"/>
           </a:p>
@@ -675,7 +677,7 @@
           <a:p>
             <a:fld id="{BDB53D75-2BBE-924F-AF98-5D44231F7F45}" type="datetimeFigureOut">
               <a:rPr lang="en-US" smtClean="0"/>
-              <a:t>11/24/25</a:t>
+              <a:t>11/25/25</a:t>
             </a:fld>
             <a:endParaRPr lang="en-US"/>
           </a:p>
@@ -875,7 +877,7 @@
           <a:p>
             <a:fld id="{BDB53D75-2BBE-924F-AF98-5D44231F7F45}" type="datetimeFigureOut">
               <a:rPr lang="en-US" smtClean="0"/>
-              <a:t>11/24/25</a:t>
+              <a:t>11/25/25</a:t>
             </a:fld>
             <a:endParaRPr lang="en-US"/>
           </a:p>
@@ -1151,7 +1153,7 @@
           <a:p>
             <a:fld id="{BDB53D75-2BBE-924F-AF98-5D44231F7F45}" type="datetimeFigureOut">
               <a:rPr lang="en-US" smtClean="0"/>
-              <a:t>11/24/25</a:t>
+              <a:t>11/25/25</a:t>
             </a:fld>
             <a:endParaRPr lang="en-US"/>
           </a:p>
@@ -1419,7 +1421,7 @@
           <a:p>
             <a:fld id="{BDB53D75-2BBE-924F-AF98-5D44231F7F45}" type="datetimeFigureOut">
               <a:rPr lang="en-US" smtClean="0"/>
-              <a:t>11/24/25</a:t>
+              <a:t>11/25/25</a:t>
             </a:fld>
             <a:endParaRPr lang="en-US"/>
           </a:p>
@@ -1834,7 +1836,7 @@
           <a:p>
             <a:fld id="{BDB53D75-2BBE-924F-AF98-5D44231F7F45}" type="datetimeFigureOut">
               <a:rPr lang="en-US" smtClean="0"/>
-              <a:t>11/24/25</a:t>
+              <a:t>11/25/25</a:t>
             </a:fld>
             <a:endParaRPr lang="en-US"/>
           </a:p>
@@ -1976,7 +1978,7 @@
           <a:p>
             <a:fld id="{BDB53D75-2BBE-924F-AF98-5D44231F7F45}" type="datetimeFigureOut">
               <a:rPr lang="en-US" smtClean="0"/>
-              <a:t>11/24/25</a:t>
+              <a:t>11/25/25</a:t>
             </a:fld>
             <a:endParaRPr lang="en-US"/>
           </a:p>
@@ -2089,7 +2091,7 @@
           <a:p>
             <a:fld id="{BDB53D75-2BBE-924F-AF98-5D44231F7F45}" type="datetimeFigureOut">
               <a:rPr lang="en-US" smtClean="0"/>
-              <a:t>11/24/25</a:t>
+              <a:t>11/25/25</a:t>
             </a:fld>
             <a:endParaRPr lang="en-US"/>
           </a:p>
@@ -2402,7 +2404,7 @@
           <a:p>
             <a:fld id="{BDB53D75-2BBE-924F-AF98-5D44231F7F45}" type="datetimeFigureOut">
               <a:rPr lang="en-US" smtClean="0"/>
-              <a:t>11/24/25</a:t>
+              <a:t>11/25/25</a:t>
             </a:fld>
             <a:endParaRPr lang="en-US"/>
           </a:p>
@@ -2691,7 +2693,7 @@
           <a:p>
             <a:fld id="{BDB53D75-2BBE-924F-AF98-5D44231F7F45}" type="datetimeFigureOut">
               <a:rPr lang="en-US" smtClean="0"/>
-              <a:t>11/24/25</a:t>
+              <a:t>11/25/25</a:t>
             </a:fld>
             <a:endParaRPr lang="en-US"/>
           </a:p>
@@ -2934,7 +2936,7 @@
           <a:p>
             <a:fld id="{BDB53D75-2BBE-924F-AF98-5D44231F7F45}" type="datetimeFigureOut">
               <a:rPr lang="en-US" smtClean="0"/>
-              <a:t>11/24/25</a:t>
+              <a:t>11/25/25</a:t>
             </a:fld>
             <a:endParaRPr lang="en-US"/>
           </a:p>
@@ -6835,6 +6837,554 @@
     <p:extLst>
       <p:ext uri="{BB962C8B-B14F-4D97-AF65-F5344CB8AC3E}">
         <p14:creationId xmlns:p14="http://schemas.microsoft.com/office/powerpoint/2010/main" val="4109268090"/>
+      </p:ext>
+    </p:extLst>
+  </p:cSld>
+  <p:clrMapOvr>
+    <a:masterClrMapping/>
+  </p:clrMapOvr>
+</p:sld>
+</file>
+
+<file path=ppt/slides/slide6.xml><?xml version="1.0" encoding="utf-8"?>
+<p:sld xmlns:a="http://schemas.openxmlformats.org/drawingml/2006/main" xmlns:r="http://schemas.openxmlformats.org/officeDocument/2006/relationships" xmlns:p="http://schemas.openxmlformats.org/presentationml/2006/main">
+  <p:cSld>
+    <p:spTree>
+      <p:nvGrpSpPr>
+        <p:cNvPr id="1" name=""/>
+        <p:cNvGrpSpPr/>
+        <p:nvPr/>
+      </p:nvGrpSpPr>
+      <p:grpSpPr>
+        <a:xfrm>
+          <a:off x="0" y="0"/>
+          <a:ext cx="0" cy="0"/>
+          <a:chOff x="0" y="0"/>
+          <a:chExt cx="0" cy="0"/>
+        </a:xfrm>
+      </p:grpSpPr>
+      <p:sp>
+        <p:nvSpPr>
+          <p:cNvPr id="2" name="Title 1">
+            <a:extLst>
+              <a:ext uri="{FF2B5EF4-FFF2-40B4-BE49-F238E27FC236}">
+                <a16:creationId xmlns:a16="http://schemas.microsoft.com/office/drawing/2014/main" id="{2D0F4504-27CA-D823-9247-4E82CB971E2B}"/>
+              </a:ext>
+            </a:extLst>
+          </p:cNvPr>
+          <p:cNvSpPr>
+            <a:spLocks noGrp="1"/>
+          </p:cNvSpPr>
+          <p:nvPr>
+            <p:ph type="title"/>
+          </p:nvPr>
+        </p:nvSpPr>
+        <p:spPr>
+          <a:xfrm>
+            <a:off x="315686" y="176086"/>
+            <a:ext cx="11388634" cy="540039"/>
+          </a:xfrm>
+        </p:spPr>
+        <p:txBody>
+          <a:bodyPr>
+            <a:normAutofit fontScale="90000"/>
+          </a:bodyPr>
+          <a:lstStyle/>
+          <a:p>
+            <a:r>
+              <a:rPr lang="en-US" dirty="0"/>
+              <a:t>Form factor result, compared with hard sphere model</a:t>
+            </a:r>
+          </a:p>
+        </p:txBody>
+      </p:sp>
+      <p:sp>
+        <p:nvSpPr>
+          <p:cNvPr id="3" name="TextBox 2">
+            <a:extLst>
+              <a:ext uri="{FF2B5EF4-FFF2-40B4-BE49-F238E27FC236}">
+                <a16:creationId xmlns:a16="http://schemas.microsoft.com/office/drawing/2014/main" id="{61FCB543-7C75-A7C6-4ED6-21B6F99C082B}"/>
+              </a:ext>
+            </a:extLst>
+          </p:cNvPr>
+          <p:cNvSpPr txBox="1"/>
+          <p:nvPr/>
+        </p:nvSpPr>
+        <p:spPr>
+          <a:xfrm>
+            <a:off x="209268" y="2796395"/>
+            <a:ext cx="4140108" cy="646331"/>
+          </a:xfrm>
+          <a:prstGeom prst="rect">
+            <a:avLst/>
+          </a:prstGeom>
+          <a:noFill/>
+        </p:spPr>
+        <p:txBody>
+          <a:bodyPr wrap="none" rtlCol="0">
+            <a:spAutoFit/>
+          </a:bodyPr>
+          <a:lstStyle/>
+          <a:p>
+            <a:r>
+              <a:rPr lang="en-US" dirty="0"/>
+              <a:t>Assume the scattering nucleus is Xenon</a:t>
+            </a:r>
+          </a:p>
+          <a:p>
+            <a:r>
+              <a:rPr lang="en-US" dirty="0"/>
+              <a:t>at A=131, nuclear radius 6.1fm</a:t>
+            </a:r>
+          </a:p>
+        </p:txBody>
+      </p:sp>
+      <p:pic>
+        <p:nvPicPr>
+          <p:cNvPr id="4" name="Picture 3">
+            <a:extLst>
+              <a:ext uri="{FF2B5EF4-FFF2-40B4-BE49-F238E27FC236}">
+                <a16:creationId xmlns:a16="http://schemas.microsoft.com/office/drawing/2014/main" id="{FCFA7407-4EB8-E5E1-8178-16A360353767}"/>
+              </a:ext>
+            </a:extLst>
+          </p:cNvPr>
+          <p:cNvPicPr>
+            <a:picLocks noChangeAspect="1"/>
+          </p:cNvPicPr>
+          <p:nvPr/>
+        </p:nvPicPr>
+        <p:blipFill>
+          <a:blip r:embed="rId2"/>
+          <a:stretch>
+            <a:fillRect/>
+          </a:stretch>
+        </p:blipFill>
+        <p:spPr>
+          <a:xfrm>
+            <a:off x="377403" y="1483244"/>
+            <a:ext cx="4547650" cy="1196750"/>
+          </a:xfrm>
+          <a:prstGeom prst="rect">
+            <a:avLst/>
+          </a:prstGeom>
+        </p:spPr>
+      </p:pic>
+      <p:grpSp>
+        <p:nvGrpSpPr>
+          <p:cNvPr id="10" name="Group 9">
+            <a:extLst>
+              <a:ext uri="{FF2B5EF4-FFF2-40B4-BE49-F238E27FC236}">
+                <a16:creationId xmlns:a16="http://schemas.microsoft.com/office/drawing/2014/main" id="{04068922-A129-CFDE-4BC8-2310489BABDE}"/>
+              </a:ext>
+            </a:extLst>
+          </p:cNvPr>
+          <p:cNvGrpSpPr/>
+          <p:nvPr/>
+        </p:nvGrpSpPr>
+        <p:grpSpPr>
+          <a:xfrm>
+            <a:off x="377403" y="3559127"/>
+            <a:ext cx="2430316" cy="1494841"/>
+            <a:chOff x="315686" y="3561198"/>
+            <a:chExt cx="2430316" cy="1494841"/>
+          </a:xfrm>
+        </p:grpSpPr>
+        <p:pic>
+          <p:nvPicPr>
+            <p:cNvPr id="7" name="Picture 6">
+              <a:extLst>
+                <a:ext uri="{FF2B5EF4-FFF2-40B4-BE49-F238E27FC236}">
+                  <a16:creationId xmlns:a16="http://schemas.microsoft.com/office/drawing/2014/main" id="{F8E799FC-D16D-2C33-ADA5-2149A815D2C4}"/>
+                </a:ext>
+              </a:extLst>
+            </p:cNvPr>
+            <p:cNvPicPr>
+              <a:picLocks noChangeAspect="1"/>
+            </p:cNvPicPr>
+            <p:nvPr/>
+          </p:nvPicPr>
+          <p:blipFill>
+            <a:blip r:embed="rId3"/>
+            <a:stretch>
+              <a:fillRect/>
+            </a:stretch>
+          </p:blipFill>
+          <p:spPr>
+            <a:xfrm>
+              <a:off x="315686" y="3561198"/>
+              <a:ext cx="2430316" cy="344597"/>
+            </a:xfrm>
+            <a:prstGeom prst="rect">
+              <a:avLst/>
+            </a:prstGeom>
+          </p:spPr>
+        </p:pic>
+        <p:pic>
+          <p:nvPicPr>
+            <p:cNvPr id="8" name="Picture 7">
+              <a:extLst>
+                <a:ext uri="{FF2B5EF4-FFF2-40B4-BE49-F238E27FC236}">
+                  <a16:creationId xmlns:a16="http://schemas.microsoft.com/office/drawing/2014/main" id="{22A93393-684D-9BBF-5046-92E3B462E7AF}"/>
+                </a:ext>
+              </a:extLst>
+            </p:cNvPr>
+            <p:cNvPicPr>
+              <a:picLocks noChangeAspect="1"/>
+            </p:cNvPicPr>
+            <p:nvPr/>
+          </p:nvPicPr>
+          <p:blipFill>
+            <a:blip r:embed="rId4"/>
+            <a:stretch>
+              <a:fillRect/>
+            </a:stretch>
+          </p:blipFill>
+          <p:spPr>
+            <a:xfrm>
+              <a:off x="315686" y="4196434"/>
+              <a:ext cx="1595845" cy="267567"/>
+            </a:xfrm>
+            <a:prstGeom prst="rect">
+              <a:avLst/>
+            </a:prstGeom>
+          </p:spPr>
+        </p:pic>
+        <p:pic>
+          <p:nvPicPr>
+            <p:cNvPr id="9" name="Picture 8">
+              <a:extLst>
+                <a:ext uri="{FF2B5EF4-FFF2-40B4-BE49-F238E27FC236}">
+                  <a16:creationId xmlns:a16="http://schemas.microsoft.com/office/drawing/2014/main" id="{8686B95E-5130-54E7-66D4-50FA1912D5DF}"/>
+                </a:ext>
+              </a:extLst>
+            </p:cNvPr>
+            <p:cNvPicPr>
+              <a:picLocks noChangeAspect="1"/>
+            </p:cNvPicPr>
+            <p:nvPr/>
+          </p:nvPicPr>
+          <p:blipFill>
+            <a:blip r:embed="rId5"/>
+            <a:stretch>
+              <a:fillRect/>
+            </a:stretch>
+          </p:blipFill>
+          <p:spPr>
+            <a:xfrm>
+              <a:off x="315686" y="4784928"/>
+              <a:ext cx="2430316" cy="271111"/>
+            </a:xfrm>
+            <a:prstGeom prst="rect">
+              <a:avLst/>
+            </a:prstGeom>
+          </p:spPr>
+        </p:pic>
+      </p:grpSp>
+      <p:pic>
+        <p:nvPicPr>
+          <p:cNvPr id="1028" name="Picture 4">
+            <a:extLst>
+              <a:ext uri="{FF2B5EF4-FFF2-40B4-BE49-F238E27FC236}">
+                <a16:creationId xmlns:a16="http://schemas.microsoft.com/office/drawing/2014/main" id="{86479AFA-C925-F27D-5A0A-8F7B4B3AD1B0}"/>
+              </a:ext>
+            </a:extLst>
+          </p:cNvPr>
+          <p:cNvPicPr>
+            <a:picLocks noChangeAspect="1" noChangeArrowheads="1"/>
+          </p:cNvPicPr>
+          <p:nvPr/>
+        </p:nvPicPr>
+        <p:blipFill>
+          <a:blip r:embed="rId6">
+            <a:extLst>
+              <a:ext uri="{28A0092B-C50C-407E-A947-70E740481C1C}">
+                <a14:useLocalDpi xmlns:a14="http://schemas.microsoft.com/office/drawing/2010/main" val="0"/>
+              </a:ext>
+            </a:extLst>
+          </a:blip>
+          <a:srcRect/>
+          <a:stretch>
+            <a:fillRect/>
+          </a:stretch>
+        </p:blipFill>
+        <p:spPr bwMode="auto">
+          <a:xfrm>
+            <a:off x="5582919" y="729516"/>
+            <a:ext cx="5105400" cy="6096000"/>
+          </a:xfrm>
+          <a:prstGeom prst="rect">
+            <a:avLst/>
+          </a:prstGeom>
+          <a:noFill/>
+          <a:extLst>
+            <a:ext uri="{909E8E84-426E-40DD-AFC4-6F175D3DCCD1}">
+              <a14:hiddenFill xmlns:a14="http://schemas.microsoft.com/office/drawing/2010/main">
+                <a:solidFill>
+                  <a:srgbClr val="FFFFFF"/>
+                </a:solidFill>
+              </a14:hiddenFill>
+            </a:ext>
+          </a:extLst>
+        </p:spPr>
+      </p:pic>
+      <p:sp>
+        <p:nvSpPr>
+          <p:cNvPr id="11" name="TextBox 10">
+            <a:extLst>
+              <a:ext uri="{FF2B5EF4-FFF2-40B4-BE49-F238E27FC236}">
+                <a16:creationId xmlns:a16="http://schemas.microsoft.com/office/drawing/2014/main" id="{A6247C7A-0435-1D13-EA64-57614CE4EA75}"/>
+              </a:ext>
+            </a:extLst>
+          </p:cNvPr>
+          <p:cNvSpPr txBox="1"/>
+          <p:nvPr/>
+        </p:nvSpPr>
+        <p:spPr>
+          <a:xfrm>
+            <a:off x="209268" y="734883"/>
+            <a:ext cx="4752007" cy="646331"/>
+          </a:xfrm>
+          <a:prstGeom prst="rect">
+            <a:avLst/>
+          </a:prstGeom>
+          <a:noFill/>
+        </p:spPr>
+        <p:txBody>
+          <a:bodyPr wrap="none" rtlCol="0">
+            <a:spAutoFit/>
+          </a:bodyPr>
+          <a:lstStyle/>
+          <a:p>
+            <a:r>
+              <a:rPr lang="en-US" dirty="0"/>
+              <a:t>In the notes we calculated the form factor</a:t>
+            </a:r>
+          </a:p>
+          <a:p>
+            <a:r>
+              <a:rPr lang="en-US" dirty="0"/>
+              <a:t>for WIMP-nuclear scattering in a simple model</a:t>
+            </a:r>
+          </a:p>
+        </p:txBody>
+      </p:sp>
+      <p:pic>
+        <p:nvPicPr>
+          <p:cNvPr id="12" name="Picture 11">
+            <a:extLst>
+              <a:ext uri="{FF2B5EF4-FFF2-40B4-BE49-F238E27FC236}">
+                <a16:creationId xmlns:a16="http://schemas.microsoft.com/office/drawing/2014/main" id="{7412C671-7074-5E6B-5F3B-0835C51477B9}"/>
+              </a:ext>
+            </a:extLst>
+          </p:cNvPr>
+          <p:cNvPicPr>
+            <a:picLocks noChangeAspect="1"/>
+          </p:cNvPicPr>
+          <p:nvPr/>
+        </p:nvPicPr>
+        <p:blipFill>
+          <a:blip r:embed="rId7"/>
+          <a:stretch>
+            <a:fillRect/>
+          </a:stretch>
+        </p:blipFill>
+        <p:spPr>
+          <a:xfrm>
+            <a:off x="315686" y="5996205"/>
+            <a:ext cx="2110180" cy="773126"/>
+          </a:xfrm>
+          <a:prstGeom prst="rect">
+            <a:avLst/>
+          </a:prstGeom>
+        </p:spPr>
+      </p:pic>
+      <p:sp>
+        <p:nvSpPr>
+          <p:cNvPr id="13" name="TextBox 12">
+            <a:extLst>
+              <a:ext uri="{FF2B5EF4-FFF2-40B4-BE49-F238E27FC236}">
+                <a16:creationId xmlns:a16="http://schemas.microsoft.com/office/drawing/2014/main" id="{C2567E2E-559A-0DCC-8AA8-294E6CF13F18}"/>
+              </a:ext>
+            </a:extLst>
+          </p:cNvPr>
+          <p:cNvSpPr txBox="1"/>
+          <p:nvPr/>
+        </p:nvSpPr>
+        <p:spPr>
+          <a:xfrm>
+            <a:off x="209268" y="5215598"/>
+            <a:ext cx="5373651" cy="646331"/>
+          </a:xfrm>
+          <a:prstGeom prst="rect">
+            <a:avLst/>
+          </a:prstGeom>
+          <a:noFill/>
+        </p:spPr>
+        <p:txBody>
+          <a:bodyPr wrap="none" rtlCol="0">
+            <a:spAutoFit/>
+          </a:bodyPr>
+          <a:lstStyle/>
+          <a:p>
+            <a:r>
+              <a:rPr lang="en-US" dirty="0"/>
+              <a:t>From lecture 2 and the hard sphere scattering model</a:t>
+            </a:r>
+          </a:p>
+          <a:p>
+            <a:r>
+              <a:rPr lang="en-US" dirty="0"/>
+              <a:t>the maximum attainable nuclear recoil energy is</a:t>
+            </a:r>
+          </a:p>
+        </p:txBody>
+      </p:sp>
+    </p:spTree>
+    <p:extLst>
+      <p:ext uri="{BB962C8B-B14F-4D97-AF65-F5344CB8AC3E}">
+        <p14:creationId xmlns:p14="http://schemas.microsoft.com/office/powerpoint/2010/main" val="3105467777"/>
+      </p:ext>
+    </p:extLst>
+  </p:cSld>
+  <p:clrMapOvr>
+    <a:masterClrMapping/>
+  </p:clrMapOvr>
+</p:sld>
+</file>
+
+<file path=ppt/slides/slide7.xml><?xml version="1.0" encoding="utf-8"?>
+<p:sld xmlns:a="http://schemas.openxmlformats.org/drawingml/2006/main" xmlns:r="http://schemas.openxmlformats.org/officeDocument/2006/relationships" xmlns:p="http://schemas.openxmlformats.org/presentationml/2006/main">
+  <p:cSld>
+    <p:spTree>
+      <p:nvGrpSpPr>
+        <p:cNvPr id="1" name=""/>
+        <p:cNvGrpSpPr/>
+        <p:nvPr/>
+      </p:nvGrpSpPr>
+      <p:grpSpPr>
+        <a:xfrm>
+          <a:off x="0" y="0"/>
+          <a:ext cx="0" cy="0"/>
+          <a:chOff x="0" y="0"/>
+          <a:chExt cx="0" cy="0"/>
+        </a:xfrm>
+      </p:grpSpPr>
+      <p:sp>
+        <p:nvSpPr>
+          <p:cNvPr id="2" name="Title 1">
+            <a:extLst>
+              <a:ext uri="{FF2B5EF4-FFF2-40B4-BE49-F238E27FC236}">
+                <a16:creationId xmlns:a16="http://schemas.microsoft.com/office/drawing/2014/main" id="{638E76BD-F574-D175-C3A7-CBE76EBB27E2}"/>
+              </a:ext>
+            </a:extLst>
+          </p:cNvPr>
+          <p:cNvSpPr>
+            <a:spLocks noGrp="1"/>
+          </p:cNvSpPr>
+          <p:nvPr>
+            <p:ph type="title"/>
+          </p:nvPr>
+        </p:nvSpPr>
+        <p:spPr>
+          <a:xfrm>
+            <a:off x="838200" y="365125"/>
+            <a:ext cx="10515600" cy="691779"/>
+          </a:xfrm>
+        </p:spPr>
+        <p:txBody>
+          <a:bodyPr>
+            <a:normAutofit fontScale="90000"/>
+          </a:bodyPr>
+          <a:lstStyle/>
+          <a:p>
+            <a:r>
+              <a:rPr lang="en-US" dirty="0"/>
+              <a:t>Summary</a:t>
+            </a:r>
+          </a:p>
+        </p:txBody>
+      </p:sp>
+      <p:sp>
+        <p:nvSpPr>
+          <p:cNvPr id="3" name="TextBox 2">
+            <a:extLst>
+              <a:ext uri="{FF2B5EF4-FFF2-40B4-BE49-F238E27FC236}">
+                <a16:creationId xmlns:a16="http://schemas.microsoft.com/office/drawing/2014/main" id="{789A4E55-7F3E-C163-0E48-2A416344C13A}"/>
+              </a:ext>
+            </a:extLst>
+          </p:cNvPr>
+          <p:cNvSpPr txBox="1"/>
+          <p:nvPr/>
+        </p:nvSpPr>
+        <p:spPr>
+          <a:xfrm>
+            <a:off x="838200" y="998909"/>
+            <a:ext cx="10965873" cy="5632311"/>
+          </a:xfrm>
+          <a:prstGeom prst="rect">
+            <a:avLst/>
+          </a:prstGeom>
+          <a:noFill/>
+        </p:spPr>
+        <p:txBody>
+          <a:bodyPr wrap="square" rtlCol="0">
+            <a:spAutoFit/>
+          </a:bodyPr>
+          <a:lstStyle/>
+          <a:p>
+            <a:pPr marL="285750" indent="-285750">
+              <a:buFont typeface="Arial" panose="020B0604020202020204" pitchFamily="34" charset="0"/>
+              <a:buChar char="•"/>
+            </a:pPr>
+            <a:r>
+              <a:rPr lang="en-US" sz="3000" dirty="0"/>
+              <a:t>In the hard sphere scattering model, energy and momentum conservation lead to a maximum attainable recoil energy.</a:t>
+            </a:r>
+          </a:p>
+          <a:p>
+            <a:pPr marL="285750" indent="-285750">
+              <a:buFont typeface="Arial" panose="020B0604020202020204" pitchFamily="34" charset="0"/>
+              <a:buChar char="•"/>
+            </a:pPr>
+            <a:r>
+              <a:rPr lang="en-US" sz="3000" dirty="0"/>
+              <a:t>Assuming a single point of impact equally likely anywhere on the disk of impact points relative to the incoming WIMP, leads to a prediction of a uniform probability density of WIMP recoil energies up to the maximum kinematically permitted.</a:t>
+            </a:r>
+          </a:p>
+          <a:p>
+            <a:pPr marL="285750" indent="-285750">
+              <a:buFont typeface="Arial" panose="020B0604020202020204" pitchFamily="34" charset="0"/>
+              <a:buChar char="•"/>
+            </a:pPr>
+            <a:r>
+              <a:rPr lang="en-US" sz="3000" dirty="0"/>
+              <a:t>A quantum analysis contradicts this – interference predicts a form factor that is down by about a factor </a:t>
+            </a:r>
+            <a:r>
+              <a:rPr lang="en-US" sz="3000"/>
+              <a:t>of 30 </a:t>
+            </a:r>
+            <a:r>
+              <a:rPr lang="en-US" sz="3000" dirty="0"/>
+              <a:t>at the maximum recoil energy, for A=131.</a:t>
+            </a:r>
+          </a:p>
+          <a:p>
+            <a:pPr marL="285750" indent="-285750">
+              <a:buFont typeface="Arial" panose="020B0604020202020204" pitchFamily="34" charset="0"/>
+              <a:buChar char="•"/>
+            </a:pPr>
+            <a:r>
+              <a:rPr lang="en-US" sz="3000" dirty="0"/>
+              <a:t>Therefore,  to be sensitive, detectors need as low an energy threshold as possible, as event rates at low recoil energies are far more common than event rates at high recoil energies.</a:t>
+            </a:r>
+          </a:p>
+        </p:txBody>
+      </p:sp>
+    </p:spTree>
+    <p:extLst>
+      <p:ext uri="{BB962C8B-B14F-4D97-AF65-F5344CB8AC3E}">
+        <p14:creationId xmlns:p14="http://schemas.microsoft.com/office/powerpoint/2010/main" val="1736420457"/>
       </p:ext>
     </p:extLst>
   </p:cSld>

--- a/chapter3/lecture_3_illustrations.pptx
+++ b/chapter3/lecture_3_illustrations.pptx
@@ -6,12 +6,14 @@
   </p:sldMasterIdLst>
   <p:sldIdLst>
     <p:sldId id="256" r:id="rId2"/>
-    <p:sldId id="257" r:id="rId3"/>
-    <p:sldId id="258" r:id="rId4"/>
-    <p:sldId id="259" r:id="rId5"/>
-    <p:sldId id="260" r:id="rId6"/>
-    <p:sldId id="261" r:id="rId7"/>
-    <p:sldId id="262" r:id="rId8"/>
+    <p:sldId id="264" r:id="rId3"/>
+    <p:sldId id="263" r:id="rId4"/>
+    <p:sldId id="257" r:id="rId5"/>
+    <p:sldId id="258" r:id="rId6"/>
+    <p:sldId id="259" r:id="rId7"/>
+    <p:sldId id="260" r:id="rId8"/>
+    <p:sldId id="261" r:id="rId9"/>
+    <p:sldId id="262" r:id="rId10"/>
   </p:sldIdLst>
   <p:sldSz cx="12192000" cy="6858000"/>
   <p:notesSz cx="6858000" cy="9144000"/>
@@ -3549,6 +3551,436 @@
           <a:chExt cx="0" cy="0"/>
         </a:xfrm>
       </p:grpSpPr>
+      <p:pic>
+        <p:nvPicPr>
+          <p:cNvPr id="2" name="Picture 1">
+            <a:extLst>
+              <a:ext uri="{FF2B5EF4-FFF2-40B4-BE49-F238E27FC236}">
+                <a16:creationId xmlns:a16="http://schemas.microsoft.com/office/drawing/2014/main" id="{53A6912C-FDC3-5248-D63D-5BCE232C438E}"/>
+              </a:ext>
+            </a:extLst>
+          </p:cNvPr>
+          <p:cNvPicPr>
+            <a:picLocks noChangeAspect="1"/>
+          </p:cNvPicPr>
+          <p:nvPr/>
+        </p:nvPicPr>
+        <p:blipFill>
+          <a:blip r:embed="rId2"/>
+          <a:stretch>
+            <a:fillRect/>
+          </a:stretch>
+        </p:blipFill>
+        <p:spPr>
+          <a:xfrm>
+            <a:off x="867325" y="1894023"/>
+            <a:ext cx="10457350" cy="4041072"/>
+          </a:xfrm>
+          <a:prstGeom prst="rect">
+            <a:avLst/>
+          </a:prstGeom>
+        </p:spPr>
+      </p:pic>
+      <p:sp>
+        <p:nvSpPr>
+          <p:cNvPr id="3" name="TextBox 2">
+            <a:extLst>
+              <a:ext uri="{FF2B5EF4-FFF2-40B4-BE49-F238E27FC236}">
+                <a16:creationId xmlns:a16="http://schemas.microsoft.com/office/drawing/2014/main" id="{607CB26D-004C-14C4-8E70-959E279E8FF8}"/>
+              </a:ext>
+            </a:extLst>
+          </p:cNvPr>
+          <p:cNvSpPr txBox="1"/>
+          <p:nvPr/>
+        </p:nvSpPr>
+        <p:spPr>
+          <a:xfrm>
+            <a:off x="130629" y="0"/>
+            <a:ext cx="9652835" cy="1200329"/>
+          </a:xfrm>
+          <a:prstGeom prst="rect">
+            <a:avLst/>
+          </a:prstGeom>
+          <a:noFill/>
+        </p:spPr>
+        <p:txBody>
+          <a:bodyPr wrap="none" rtlCol="0">
+            <a:spAutoFit/>
+          </a:bodyPr>
+          <a:lstStyle/>
+          <a:p>
+            <a:r>
+              <a:rPr lang="en-US" sz="3600" dirty="0"/>
+              <a:t>Last time, WIMP nuclear scattering modelled as</a:t>
+            </a:r>
+          </a:p>
+          <a:p>
+            <a:r>
+              <a:rPr lang="en-US" sz="3600" dirty="0"/>
+              <a:t>colliding hard classical spheres</a:t>
+            </a:r>
+          </a:p>
+        </p:txBody>
+      </p:sp>
+    </p:spTree>
+    <p:extLst>
+      <p:ext uri="{BB962C8B-B14F-4D97-AF65-F5344CB8AC3E}">
+        <p14:creationId xmlns:p14="http://schemas.microsoft.com/office/powerpoint/2010/main" val="983549202"/>
+      </p:ext>
+    </p:extLst>
+  </p:cSld>
+  <p:clrMapOvr>
+    <a:masterClrMapping/>
+  </p:clrMapOvr>
+</p:sld>
+</file>
+
+<file path=ppt/slides/slide3.xml><?xml version="1.0" encoding="utf-8"?>
+<p:sld xmlns:a="http://schemas.openxmlformats.org/drawingml/2006/main" xmlns:r="http://schemas.openxmlformats.org/officeDocument/2006/relationships" xmlns:p="http://schemas.openxmlformats.org/presentationml/2006/main">
+  <p:cSld>
+    <p:spTree>
+      <p:nvGrpSpPr>
+        <p:cNvPr id="1" name=""/>
+        <p:cNvGrpSpPr/>
+        <p:nvPr/>
+      </p:nvGrpSpPr>
+      <p:grpSpPr>
+        <a:xfrm>
+          <a:off x="0" y="0"/>
+          <a:ext cx="0" cy="0"/>
+          <a:chOff x="0" y="0"/>
+          <a:chExt cx="0" cy="0"/>
+        </a:xfrm>
+      </p:grpSpPr>
+      <p:cxnSp>
+        <p:nvCxnSpPr>
+          <p:cNvPr id="3" name="Straight Arrow Connector 2">
+            <a:extLst>
+              <a:ext uri="{FF2B5EF4-FFF2-40B4-BE49-F238E27FC236}">
+                <a16:creationId xmlns:a16="http://schemas.microsoft.com/office/drawing/2014/main" id="{49CD9915-6C4E-8AFB-C062-F32D1BF5DB60}"/>
+              </a:ext>
+            </a:extLst>
+          </p:cNvPr>
+          <p:cNvCxnSpPr/>
+          <p:nvPr/>
+        </p:nvCxnSpPr>
+        <p:spPr>
+          <a:xfrm flipV="1">
+            <a:off x="2051222" y="1902620"/>
+            <a:ext cx="0" cy="3422821"/>
+          </a:xfrm>
+          <a:prstGeom prst="straightConnector1">
+            <a:avLst/>
+          </a:prstGeom>
+          <a:ln w="31750">
+            <a:solidFill>
+              <a:schemeClr val="tx1"/>
+            </a:solidFill>
+            <a:tailEnd type="triangle" w="lg" len="lg"/>
+          </a:ln>
+        </p:spPr>
+        <p:style>
+          <a:lnRef idx="2">
+            <a:schemeClr val="accent1"/>
+          </a:lnRef>
+          <a:fillRef idx="0">
+            <a:schemeClr val="accent1"/>
+          </a:fillRef>
+          <a:effectRef idx="1">
+            <a:schemeClr val="accent1"/>
+          </a:effectRef>
+          <a:fontRef idx="minor">
+            <a:schemeClr val="tx1"/>
+          </a:fontRef>
+        </p:style>
+      </p:cxnSp>
+      <p:cxnSp>
+        <p:nvCxnSpPr>
+          <p:cNvPr id="4" name="Straight Arrow Connector 3">
+            <a:extLst>
+              <a:ext uri="{FF2B5EF4-FFF2-40B4-BE49-F238E27FC236}">
+                <a16:creationId xmlns:a16="http://schemas.microsoft.com/office/drawing/2014/main" id="{495E3367-03CE-E518-0A1F-3033B3498CC8}"/>
+              </a:ext>
+            </a:extLst>
+          </p:cNvPr>
+          <p:cNvCxnSpPr>
+            <a:cxnSpLocks/>
+          </p:cNvCxnSpPr>
+          <p:nvPr/>
+        </p:nvCxnSpPr>
+        <p:spPr>
+          <a:xfrm>
+            <a:off x="2051222" y="5325441"/>
+            <a:ext cx="7315200" cy="0"/>
+          </a:xfrm>
+          <a:prstGeom prst="straightConnector1">
+            <a:avLst/>
+          </a:prstGeom>
+          <a:ln w="31750">
+            <a:solidFill>
+              <a:schemeClr val="tx1"/>
+            </a:solidFill>
+            <a:tailEnd type="triangle" w="lg" len="lg"/>
+          </a:ln>
+        </p:spPr>
+        <p:style>
+          <a:lnRef idx="2">
+            <a:schemeClr val="accent1"/>
+          </a:lnRef>
+          <a:fillRef idx="0">
+            <a:schemeClr val="accent1"/>
+          </a:fillRef>
+          <a:effectRef idx="1">
+            <a:schemeClr val="accent1"/>
+          </a:effectRef>
+          <a:fontRef idx="minor">
+            <a:schemeClr val="tx1"/>
+          </a:fontRef>
+        </p:style>
+      </p:cxnSp>
+      <p:sp>
+        <p:nvSpPr>
+          <p:cNvPr id="6" name="Rectangle 5">
+            <a:extLst>
+              <a:ext uri="{FF2B5EF4-FFF2-40B4-BE49-F238E27FC236}">
+                <a16:creationId xmlns:a16="http://schemas.microsoft.com/office/drawing/2014/main" id="{5B2B0FE7-C5E6-990B-99EC-23DEAB31B018}"/>
+              </a:ext>
+            </a:extLst>
+          </p:cNvPr>
+          <p:cNvSpPr/>
+          <p:nvPr/>
+        </p:nvSpPr>
+        <p:spPr>
+          <a:xfrm>
+            <a:off x="2051222" y="3175366"/>
+            <a:ext cx="4658497" cy="2150075"/>
+          </a:xfrm>
+          <a:prstGeom prst="rect">
+            <a:avLst/>
+          </a:prstGeom>
+        </p:spPr>
+        <p:style>
+          <a:lnRef idx="2">
+            <a:schemeClr val="accent1">
+              <a:shade val="15000"/>
+            </a:schemeClr>
+          </a:lnRef>
+          <a:fillRef idx="1">
+            <a:schemeClr val="accent1"/>
+          </a:fillRef>
+          <a:effectRef idx="0">
+            <a:schemeClr val="accent1"/>
+          </a:effectRef>
+          <a:fontRef idx="minor">
+            <a:schemeClr val="lt1"/>
+          </a:fontRef>
+        </p:style>
+        <p:txBody>
+          <a:bodyPr rtlCol="0" anchor="ctr"/>
+          <a:lstStyle/>
+          <a:p>
+            <a:pPr algn="ctr"/>
+            <a:endParaRPr lang="en-US"/>
+          </a:p>
+        </p:txBody>
+      </p:sp>
+      <p:pic>
+        <p:nvPicPr>
+          <p:cNvPr id="7" name="Picture 6">
+            <a:extLst>
+              <a:ext uri="{FF2B5EF4-FFF2-40B4-BE49-F238E27FC236}">
+                <a16:creationId xmlns:a16="http://schemas.microsoft.com/office/drawing/2014/main" id="{04CD2D73-7F26-316D-756B-2636E77D4916}"/>
+              </a:ext>
+            </a:extLst>
+          </p:cNvPr>
+          <p:cNvPicPr>
+            <a:picLocks noChangeAspect="1"/>
+          </p:cNvPicPr>
+          <p:nvPr/>
+        </p:nvPicPr>
+        <p:blipFill>
+          <a:blip r:embed="rId2"/>
+          <a:stretch>
+            <a:fillRect/>
+          </a:stretch>
+        </p:blipFill>
+        <p:spPr>
+          <a:xfrm>
+            <a:off x="9543878" y="5128591"/>
+            <a:ext cx="596900" cy="393700"/>
+          </a:xfrm>
+          <a:prstGeom prst="rect">
+            <a:avLst/>
+          </a:prstGeom>
+        </p:spPr>
+      </p:pic>
+      <p:pic>
+        <p:nvPicPr>
+          <p:cNvPr id="8" name="Picture 7">
+            <a:extLst>
+              <a:ext uri="{FF2B5EF4-FFF2-40B4-BE49-F238E27FC236}">
+                <a16:creationId xmlns:a16="http://schemas.microsoft.com/office/drawing/2014/main" id="{F417B1EA-6570-34B7-C08E-E50995FE52CF}"/>
+              </a:ext>
+            </a:extLst>
+          </p:cNvPr>
+          <p:cNvPicPr>
+            <a:picLocks noChangeAspect="1"/>
+          </p:cNvPicPr>
+          <p:nvPr/>
+        </p:nvPicPr>
+        <p:blipFill>
+          <a:blip r:embed="rId3"/>
+          <a:stretch>
+            <a:fillRect/>
+          </a:stretch>
+        </p:blipFill>
+        <p:spPr>
+          <a:xfrm>
+            <a:off x="1326370" y="1297608"/>
+            <a:ext cx="1193800" cy="469900"/>
+          </a:xfrm>
+          <a:prstGeom prst="rect">
+            <a:avLst/>
+          </a:prstGeom>
+        </p:spPr>
+      </p:pic>
+      <p:pic>
+        <p:nvPicPr>
+          <p:cNvPr id="9" name="Picture 8">
+            <a:extLst>
+              <a:ext uri="{FF2B5EF4-FFF2-40B4-BE49-F238E27FC236}">
+                <a16:creationId xmlns:a16="http://schemas.microsoft.com/office/drawing/2014/main" id="{DE7545D2-6CBE-633D-5645-48AAC23FE515}"/>
+              </a:ext>
+            </a:extLst>
+          </p:cNvPr>
+          <p:cNvPicPr>
+            <a:picLocks noChangeAspect="1"/>
+          </p:cNvPicPr>
+          <p:nvPr/>
+        </p:nvPicPr>
+        <p:blipFill>
+          <a:blip r:embed="rId4"/>
+          <a:stretch>
+            <a:fillRect/>
+          </a:stretch>
+        </p:blipFill>
+        <p:spPr>
+          <a:xfrm>
+            <a:off x="679278" y="2699116"/>
+            <a:ext cx="1244600" cy="952500"/>
+          </a:xfrm>
+          <a:prstGeom prst="rect">
+            <a:avLst/>
+          </a:prstGeom>
+        </p:spPr>
+      </p:pic>
+      <p:pic>
+        <p:nvPicPr>
+          <p:cNvPr id="10" name="Picture 9">
+            <a:extLst>
+              <a:ext uri="{FF2B5EF4-FFF2-40B4-BE49-F238E27FC236}">
+                <a16:creationId xmlns:a16="http://schemas.microsoft.com/office/drawing/2014/main" id="{03A217BA-325E-BF96-3B23-A0D5B4E973D1}"/>
+              </a:ext>
+            </a:extLst>
+          </p:cNvPr>
+          <p:cNvPicPr>
+            <a:picLocks noChangeAspect="1"/>
+          </p:cNvPicPr>
+          <p:nvPr/>
+        </p:nvPicPr>
+        <p:blipFill>
+          <a:blip r:embed="rId5"/>
+          <a:stretch>
+            <a:fillRect/>
+          </a:stretch>
+        </p:blipFill>
+        <p:spPr>
+          <a:xfrm>
+            <a:off x="5390292" y="5522291"/>
+            <a:ext cx="2946400" cy="1079500"/>
+          </a:xfrm>
+          <a:prstGeom prst="rect">
+            <a:avLst/>
+          </a:prstGeom>
+        </p:spPr>
+      </p:pic>
+      <p:sp>
+        <p:nvSpPr>
+          <p:cNvPr id="2" name="TextBox 1">
+            <a:extLst>
+              <a:ext uri="{FF2B5EF4-FFF2-40B4-BE49-F238E27FC236}">
+                <a16:creationId xmlns:a16="http://schemas.microsoft.com/office/drawing/2014/main" id="{813170EA-ABA9-107C-731F-464AC16539B0}"/>
+              </a:ext>
+            </a:extLst>
+          </p:cNvPr>
+          <p:cNvSpPr txBox="1"/>
+          <p:nvPr/>
+        </p:nvSpPr>
+        <p:spPr>
+          <a:xfrm>
+            <a:off x="2989117" y="167150"/>
+            <a:ext cx="7644593" cy="1754326"/>
+          </a:xfrm>
+          <a:prstGeom prst="rect">
+            <a:avLst/>
+          </a:prstGeom>
+          <a:noFill/>
+        </p:spPr>
+        <p:txBody>
+          <a:bodyPr wrap="none" rtlCol="0">
+            <a:spAutoFit/>
+          </a:bodyPr>
+          <a:lstStyle/>
+          <a:p>
+            <a:r>
+              <a:rPr lang="en-US" sz="3600" dirty="0"/>
+              <a:t>Review of the probability distribution</a:t>
+            </a:r>
+          </a:p>
+          <a:p>
+            <a:r>
+              <a:rPr lang="en-US" sz="3600" dirty="0"/>
+              <a:t>of nuclear recoil energies based on </a:t>
+            </a:r>
+          </a:p>
+          <a:p>
+            <a:r>
+              <a:rPr lang="en-US" sz="3600" dirty="0"/>
+              <a:t>hard sphere scattering, from lecture 2</a:t>
+            </a:r>
+          </a:p>
+        </p:txBody>
+      </p:sp>
+    </p:spTree>
+    <p:extLst>
+      <p:ext uri="{BB962C8B-B14F-4D97-AF65-F5344CB8AC3E}">
+        <p14:creationId xmlns:p14="http://schemas.microsoft.com/office/powerpoint/2010/main" val="197218186"/>
+      </p:ext>
+    </p:extLst>
+  </p:cSld>
+  <p:clrMapOvr>
+    <a:masterClrMapping/>
+  </p:clrMapOvr>
+</p:sld>
+</file>
+
+<file path=ppt/slides/slide4.xml><?xml version="1.0" encoding="utf-8"?>
+<p:sld xmlns:a="http://schemas.openxmlformats.org/drawingml/2006/main" xmlns:r="http://schemas.openxmlformats.org/officeDocument/2006/relationships" xmlns:p="http://schemas.openxmlformats.org/presentationml/2006/main">
+  <p:cSld>
+    <p:spTree>
+      <p:nvGrpSpPr>
+        <p:cNvPr id="1" name=""/>
+        <p:cNvGrpSpPr/>
+        <p:nvPr/>
+      </p:nvGrpSpPr>
+      <p:grpSpPr>
+        <a:xfrm>
+          <a:off x="0" y="0"/>
+          <a:ext cx="0" cy="0"/>
+          <a:chOff x="0" y="0"/>
+          <a:chExt cx="0" cy="0"/>
+        </a:xfrm>
+      </p:grpSpPr>
       <p:sp>
         <p:nvSpPr>
           <p:cNvPr id="2" name="Title 1">
@@ -5102,7 +5534,7 @@
 </p:sld>
 </file>
 
-<file path=ppt/slides/slide3.xml><?xml version="1.0" encoding="utf-8"?>
+<file path=ppt/slides/slide5.xml><?xml version="1.0" encoding="utf-8"?>
 <p:sld xmlns:a="http://schemas.openxmlformats.org/drawingml/2006/main" xmlns:r="http://schemas.openxmlformats.org/officeDocument/2006/relationships" xmlns:p="http://schemas.openxmlformats.org/presentationml/2006/main">
   <p:cSld>
     <p:spTree>
@@ -5286,7 +5718,7 @@
 </p:sld>
 </file>
 
-<file path=ppt/slides/slide4.xml><?xml version="1.0" encoding="utf-8"?>
+<file path=ppt/slides/slide6.xml><?xml version="1.0" encoding="utf-8"?>
 <p:sld xmlns:a="http://schemas.openxmlformats.org/drawingml/2006/main" xmlns:r="http://schemas.openxmlformats.org/officeDocument/2006/relationships" xmlns:p="http://schemas.openxmlformats.org/presentationml/2006/main">
   <p:cSld>
     <p:spTree>
@@ -6073,7 +6505,7 @@
 </p:sld>
 </file>
 
-<file path=ppt/slides/slide5.xml><?xml version="1.0" encoding="utf-8"?>
+<file path=ppt/slides/slide7.xml><?xml version="1.0" encoding="utf-8"?>
 <p:sld xmlns:a="http://schemas.openxmlformats.org/drawingml/2006/main" xmlns:r="http://schemas.openxmlformats.org/officeDocument/2006/relationships" xmlns:p="http://schemas.openxmlformats.org/presentationml/2006/main">
   <p:cSld>
     <p:spTree>
@@ -6846,7 +7278,7 @@
 </p:sld>
 </file>
 
-<file path=ppt/slides/slide6.xml><?xml version="1.0" encoding="utf-8"?>
+<file path=ppt/slides/slide8.xml><?xml version="1.0" encoding="utf-8"?>
 <p:sld xmlns:a="http://schemas.openxmlformats.org/drawingml/2006/main" xmlns:r="http://schemas.openxmlformats.org/officeDocument/2006/relationships" xmlns:p="http://schemas.openxmlformats.org/presentationml/2006/main">
   <p:cSld>
     <p:spTree>
@@ -7252,7 +7684,7 @@
 </p:sld>
 </file>
 
-<file path=ppt/slides/slide7.xml><?xml version="1.0" encoding="utf-8"?>
+<file path=ppt/slides/slide9.xml><?xml version="1.0" encoding="utf-8"?>
 <p:sld xmlns:a="http://schemas.openxmlformats.org/drawingml/2006/main" xmlns:r="http://schemas.openxmlformats.org/officeDocument/2006/relationships" xmlns:p="http://schemas.openxmlformats.org/presentationml/2006/main">
   <p:cSld>
     <p:spTree>
@@ -7358,15 +7790,7 @@
             </a:pPr>
             <a:r>
               <a:rPr lang="en-US" sz="3000" dirty="0"/>
-              <a:t>A quantum analysis contradicts this – interference predicts a form factor that is down by about a factor </a:t>
-            </a:r>
-            <a:r>
-              <a:rPr lang="en-US" sz="3000"/>
-              <a:t>of 30 </a:t>
-            </a:r>
-            <a:r>
-              <a:rPr lang="en-US" sz="3000" dirty="0"/>
-              <a:t>at the maximum recoil energy, for A=131.</a:t>
+              <a:t>A quantum analysis contradicts this – interference predicts a form factor that is down by about a factor of 30 at the maximum recoil energy, for A=131.</a:t>
             </a:r>
           </a:p>
           <a:p>

--- a/chapter3/lecture_3_illustrations.pptx
+++ b/chapter3/lecture_3_illustrations.pptx
@@ -11,9 +11,10 @@
     <p:sldId id="257" r:id="rId5"/>
     <p:sldId id="258" r:id="rId6"/>
     <p:sldId id="259" r:id="rId7"/>
-    <p:sldId id="260" r:id="rId8"/>
-    <p:sldId id="261" r:id="rId9"/>
-    <p:sldId id="262" r:id="rId10"/>
+    <p:sldId id="265" r:id="rId8"/>
+    <p:sldId id="260" r:id="rId9"/>
+    <p:sldId id="261" r:id="rId10"/>
+    <p:sldId id="262" r:id="rId11"/>
   </p:sldIdLst>
   <p:sldSz cx="12192000" cy="6858000"/>
   <p:notesSz cx="6858000" cy="9144000"/>
@@ -269,7 +270,7 @@
           <a:p>
             <a:fld id="{BDB53D75-2BBE-924F-AF98-5D44231F7F45}" type="datetimeFigureOut">
               <a:rPr lang="en-US" smtClean="0"/>
-              <a:t>11/25/25</a:t>
+              <a:t>11/26/25</a:t>
             </a:fld>
             <a:endParaRPr lang="en-US"/>
           </a:p>
@@ -469,7 +470,7 @@
           <a:p>
             <a:fld id="{BDB53D75-2BBE-924F-AF98-5D44231F7F45}" type="datetimeFigureOut">
               <a:rPr lang="en-US" smtClean="0"/>
-              <a:t>11/25/25</a:t>
+              <a:t>11/26/25</a:t>
             </a:fld>
             <a:endParaRPr lang="en-US"/>
           </a:p>
@@ -679,7 +680,7 @@
           <a:p>
             <a:fld id="{BDB53D75-2BBE-924F-AF98-5D44231F7F45}" type="datetimeFigureOut">
               <a:rPr lang="en-US" smtClean="0"/>
-              <a:t>11/25/25</a:t>
+              <a:t>11/26/25</a:t>
             </a:fld>
             <a:endParaRPr lang="en-US"/>
           </a:p>
@@ -879,7 +880,7 @@
           <a:p>
             <a:fld id="{BDB53D75-2BBE-924F-AF98-5D44231F7F45}" type="datetimeFigureOut">
               <a:rPr lang="en-US" smtClean="0"/>
-              <a:t>11/25/25</a:t>
+              <a:t>11/26/25</a:t>
             </a:fld>
             <a:endParaRPr lang="en-US"/>
           </a:p>
@@ -1155,7 +1156,7 @@
           <a:p>
             <a:fld id="{BDB53D75-2BBE-924F-AF98-5D44231F7F45}" type="datetimeFigureOut">
               <a:rPr lang="en-US" smtClean="0"/>
-              <a:t>11/25/25</a:t>
+              <a:t>11/26/25</a:t>
             </a:fld>
             <a:endParaRPr lang="en-US"/>
           </a:p>
@@ -1423,7 +1424,7 @@
           <a:p>
             <a:fld id="{BDB53D75-2BBE-924F-AF98-5D44231F7F45}" type="datetimeFigureOut">
               <a:rPr lang="en-US" smtClean="0"/>
-              <a:t>11/25/25</a:t>
+              <a:t>11/26/25</a:t>
             </a:fld>
             <a:endParaRPr lang="en-US"/>
           </a:p>
@@ -1838,7 +1839,7 @@
           <a:p>
             <a:fld id="{BDB53D75-2BBE-924F-AF98-5D44231F7F45}" type="datetimeFigureOut">
               <a:rPr lang="en-US" smtClean="0"/>
-              <a:t>11/25/25</a:t>
+              <a:t>11/26/25</a:t>
             </a:fld>
             <a:endParaRPr lang="en-US"/>
           </a:p>
@@ -1980,7 +1981,7 @@
           <a:p>
             <a:fld id="{BDB53D75-2BBE-924F-AF98-5D44231F7F45}" type="datetimeFigureOut">
               <a:rPr lang="en-US" smtClean="0"/>
-              <a:t>11/25/25</a:t>
+              <a:t>11/26/25</a:t>
             </a:fld>
             <a:endParaRPr lang="en-US"/>
           </a:p>
@@ -2093,7 +2094,7 @@
           <a:p>
             <a:fld id="{BDB53D75-2BBE-924F-AF98-5D44231F7F45}" type="datetimeFigureOut">
               <a:rPr lang="en-US" smtClean="0"/>
-              <a:t>11/25/25</a:t>
+              <a:t>11/26/25</a:t>
             </a:fld>
             <a:endParaRPr lang="en-US"/>
           </a:p>
@@ -2406,7 +2407,7 @@
           <a:p>
             <a:fld id="{BDB53D75-2BBE-924F-AF98-5D44231F7F45}" type="datetimeFigureOut">
               <a:rPr lang="en-US" smtClean="0"/>
-              <a:t>11/25/25</a:t>
+              <a:t>11/26/25</a:t>
             </a:fld>
             <a:endParaRPr lang="en-US"/>
           </a:p>
@@ -2695,7 +2696,7 @@
           <a:p>
             <a:fld id="{BDB53D75-2BBE-924F-AF98-5D44231F7F45}" type="datetimeFigureOut">
               <a:rPr lang="en-US" smtClean="0"/>
-              <a:t>11/25/25</a:t>
+              <a:t>11/26/25</a:t>
             </a:fld>
             <a:endParaRPr lang="en-US"/>
           </a:p>
@@ -2938,7 +2939,7 @@
           <a:p>
             <a:fld id="{BDB53D75-2BBE-924F-AF98-5D44231F7F45}" type="datetimeFigureOut">
               <a:rPr lang="en-US" smtClean="0"/>
-              <a:t>11/25/25</a:t>
+              <a:t>11/26/25</a:t>
             </a:fld>
             <a:endParaRPr lang="en-US"/>
           </a:p>
@@ -3534,6 +3535,140 @@
 </p:sld>
 </file>
 
+<file path=ppt/slides/slide10.xml><?xml version="1.0" encoding="utf-8"?>
+<p:sld xmlns:a="http://schemas.openxmlformats.org/drawingml/2006/main" xmlns:r="http://schemas.openxmlformats.org/officeDocument/2006/relationships" xmlns:p="http://schemas.openxmlformats.org/presentationml/2006/main">
+  <p:cSld>
+    <p:spTree>
+      <p:nvGrpSpPr>
+        <p:cNvPr id="1" name=""/>
+        <p:cNvGrpSpPr/>
+        <p:nvPr/>
+      </p:nvGrpSpPr>
+      <p:grpSpPr>
+        <a:xfrm>
+          <a:off x="0" y="0"/>
+          <a:ext cx="0" cy="0"/>
+          <a:chOff x="0" y="0"/>
+          <a:chExt cx="0" cy="0"/>
+        </a:xfrm>
+      </p:grpSpPr>
+      <p:sp>
+        <p:nvSpPr>
+          <p:cNvPr id="2" name="Title 1">
+            <a:extLst>
+              <a:ext uri="{FF2B5EF4-FFF2-40B4-BE49-F238E27FC236}">
+                <a16:creationId xmlns:a16="http://schemas.microsoft.com/office/drawing/2014/main" id="{638E76BD-F574-D175-C3A7-CBE76EBB27E2}"/>
+              </a:ext>
+            </a:extLst>
+          </p:cNvPr>
+          <p:cNvSpPr>
+            <a:spLocks noGrp="1"/>
+          </p:cNvSpPr>
+          <p:nvPr>
+            <p:ph type="title"/>
+          </p:nvPr>
+        </p:nvSpPr>
+        <p:spPr>
+          <a:xfrm>
+            <a:off x="838200" y="365125"/>
+            <a:ext cx="10515600" cy="691779"/>
+          </a:xfrm>
+        </p:spPr>
+        <p:txBody>
+          <a:bodyPr>
+            <a:normAutofit fontScale="90000"/>
+          </a:bodyPr>
+          <a:lstStyle/>
+          <a:p>
+            <a:r>
+              <a:rPr lang="en-US" dirty="0"/>
+              <a:t>Summary</a:t>
+            </a:r>
+          </a:p>
+        </p:txBody>
+      </p:sp>
+      <p:sp>
+        <p:nvSpPr>
+          <p:cNvPr id="3" name="TextBox 2">
+            <a:extLst>
+              <a:ext uri="{FF2B5EF4-FFF2-40B4-BE49-F238E27FC236}">
+                <a16:creationId xmlns:a16="http://schemas.microsoft.com/office/drawing/2014/main" id="{789A4E55-7F3E-C163-0E48-2A416344C13A}"/>
+              </a:ext>
+            </a:extLst>
+          </p:cNvPr>
+          <p:cNvSpPr txBox="1"/>
+          <p:nvPr/>
+        </p:nvSpPr>
+        <p:spPr>
+          <a:xfrm>
+            <a:off x="838200" y="998909"/>
+            <a:ext cx="10965873" cy="5632311"/>
+          </a:xfrm>
+          <a:prstGeom prst="rect">
+            <a:avLst/>
+          </a:prstGeom>
+          <a:noFill/>
+        </p:spPr>
+        <p:txBody>
+          <a:bodyPr wrap="square" rtlCol="0">
+            <a:spAutoFit/>
+          </a:bodyPr>
+          <a:lstStyle/>
+          <a:p>
+            <a:pPr marL="285750" indent="-285750">
+              <a:buFont typeface="Arial" panose="020B0604020202020204" pitchFamily="34" charset="0"/>
+              <a:buChar char="•"/>
+            </a:pPr>
+            <a:r>
+              <a:rPr lang="en-US" sz="3000" dirty="0"/>
+              <a:t>In the hard sphere scattering model, energy and momentum conservation lead to a maximum attainable recoil energy.</a:t>
+            </a:r>
+          </a:p>
+          <a:p>
+            <a:pPr marL="285750" indent="-285750">
+              <a:buFont typeface="Arial" panose="020B0604020202020204" pitchFamily="34" charset="0"/>
+              <a:buChar char="•"/>
+            </a:pPr>
+            <a:r>
+              <a:rPr lang="en-US" sz="3000" dirty="0"/>
+              <a:t>Assuming a single point of impact equally likely anywhere on the disk of impact points relative to the incoming WIMP, leads to a prediction of a uniform probability density of WIMP recoil energies up to the maximum kinematically permitted.</a:t>
+            </a:r>
+          </a:p>
+          <a:p>
+            <a:pPr marL="285750" indent="-285750">
+              <a:buFont typeface="Arial" panose="020B0604020202020204" pitchFamily="34" charset="0"/>
+              <a:buChar char="•"/>
+            </a:pPr>
+            <a:r>
+              <a:rPr lang="en-US" sz="3000" dirty="0"/>
+              <a:t>A quantum analysis contradicts this – interference predicts a form factor that is down by about a factor of 30 at the maximum recoil energy, for A=131.</a:t>
+            </a:r>
+          </a:p>
+          <a:p>
+            <a:pPr marL="285750" indent="-285750">
+              <a:buFont typeface="Arial" panose="020B0604020202020204" pitchFamily="34" charset="0"/>
+              <a:buChar char="•"/>
+            </a:pPr>
+            <a:r>
+              <a:rPr lang="en-US" sz="3000" dirty="0"/>
+              <a:t>Therefore,  to be sensitive, detectors need as low an energy threshold as possible, as event rates at low recoil energies are far more common than event rates at high recoil energies.</a:t>
+            </a:r>
+          </a:p>
+        </p:txBody>
+      </p:sp>
+    </p:spTree>
+    <p:extLst>
+      <p:ext uri="{BB962C8B-B14F-4D97-AF65-F5344CB8AC3E}">
+        <p14:creationId xmlns:p14="http://schemas.microsoft.com/office/powerpoint/2010/main" val="1736420457"/>
+      </p:ext>
+    </p:extLst>
+  </p:cSld>
+  <p:clrMapOvr>
+    <a:masterClrMapping/>
+  </p:clrMapOvr>
+</p:sld>
+</file>
+
 <file path=ppt/slides/slide2.xml><?xml version="1.0" encoding="utf-8"?>
 <p:sld xmlns:a="http://schemas.openxmlformats.org/drawingml/2006/main" xmlns:r="http://schemas.openxmlformats.org/officeDocument/2006/relationships" xmlns:p="http://schemas.openxmlformats.org/presentationml/2006/main">
   <p:cSld>
@@ -6527,6 +6662,1110 @@
           <p:cNvPr id="2" name="Title 1">
             <a:extLst>
               <a:ext uri="{FF2B5EF4-FFF2-40B4-BE49-F238E27FC236}">
+                <a16:creationId xmlns:a16="http://schemas.microsoft.com/office/drawing/2014/main" id="{D004EBBF-8BB0-4F93-8C62-4D15A1BBE0EB}"/>
+              </a:ext>
+            </a:extLst>
+          </p:cNvPr>
+          <p:cNvSpPr txBox="1">
+            <a:spLocks/>
+          </p:cNvSpPr>
+          <p:nvPr/>
+        </p:nvSpPr>
+        <p:spPr>
+          <a:xfrm>
+            <a:off x="283031" y="80799"/>
+            <a:ext cx="11625937" cy="1296739"/>
+          </a:xfrm>
+          <a:prstGeom prst="rect">
+            <a:avLst/>
+          </a:prstGeom>
+        </p:spPr>
+        <p:txBody>
+          <a:bodyPr/>
+          <a:lstStyle>
+            <a:lvl1pPr algn="l" defTabSz="914400" rtl="0" eaLnBrk="1" latinLnBrk="0" hangingPunct="1">
+              <a:lnSpc>
+                <a:spcPct val="90000"/>
+              </a:lnSpc>
+              <a:spcBef>
+                <a:spcPct val="0"/>
+              </a:spcBef>
+              <a:buNone/>
+              <a:defRPr sz="4400" kern="1200">
+                <a:solidFill>
+                  <a:schemeClr val="tx1"/>
+                </a:solidFill>
+                <a:latin typeface="+mj-lt"/>
+                <a:ea typeface="+mj-ea"/>
+                <a:cs typeface="+mj-cs"/>
+              </a:defRPr>
+            </a:lvl1pPr>
+          </a:lstStyle>
+          <a:p>
+            <a:r>
+              <a:rPr lang="en-US" dirty="0"/>
+              <a:t>Scattering off all points on the surface of the nucleus at once</a:t>
+            </a:r>
+            <a:endParaRPr lang="en-US" sz="3600" dirty="0"/>
+          </a:p>
+        </p:txBody>
+      </p:sp>
+      <p:grpSp>
+        <p:nvGrpSpPr>
+          <p:cNvPr id="30" name="Group 29">
+            <a:extLst>
+              <a:ext uri="{FF2B5EF4-FFF2-40B4-BE49-F238E27FC236}">
+                <a16:creationId xmlns:a16="http://schemas.microsoft.com/office/drawing/2014/main" id="{AA46BEB7-207E-0041-4BBA-9EB6FFEEF438}"/>
+              </a:ext>
+            </a:extLst>
+          </p:cNvPr>
+          <p:cNvGrpSpPr/>
+          <p:nvPr/>
+        </p:nvGrpSpPr>
+        <p:grpSpPr>
+          <a:xfrm>
+            <a:off x="156755" y="1377538"/>
+            <a:ext cx="11465825" cy="4614158"/>
+            <a:chOff x="849086" y="722614"/>
+            <a:chExt cx="11465825" cy="4614158"/>
+          </a:xfrm>
+        </p:grpSpPr>
+        <p:sp>
+          <p:nvSpPr>
+            <p:cNvPr id="3" name="Oval 2">
+              <a:extLst>
+                <a:ext uri="{FF2B5EF4-FFF2-40B4-BE49-F238E27FC236}">
+                  <a16:creationId xmlns:a16="http://schemas.microsoft.com/office/drawing/2014/main" id="{EBD2A940-8B6C-5221-AF4F-8B3605261921}"/>
+                </a:ext>
+              </a:extLst>
+            </p:cNvPr>
+            <p:cNvSpPr/>
+            <p:nvPr/>
+          </p:nvSpPr>
+          <p:spPr>
+            <a:xfrm>
+              <a:off x="4168239" y="2439192"/>
+              <a:ext cx="2897580" cy="2897580"/>
+            </a:xfrm>
+            <a:prstGeom prst="ellipse">
+              <a:avLst/>
+            </a:prstGeom>
+            <a:noFill/>
+            <a:ln w="25400"/>
+          </p:spPr>
+          <p:style>
+            <a:lnRef idx="2">
+              <a:schemeClr val="accent1">
+                <a:shade val="15000"/>
+              </a:schemeClr>
+            </a:lnRef>
+            <a:fillRef idx="1">
+              <a:schemeClr val="accent1"/>
+            </a:fillRef>
+            <a:effectRef idx="0">
+              <a:schemeClr val="accent1"/>
+            </a:effectRef>
+            <a:fontRef idx="minor">
+              <a:schemeClr val="lt1"/>
+            </a:fontRef>
+          </p:style>
+          <p:txBody>
+            <a:bodyPr rtlCol="0" anchor="ctr"/>
+            <a:lstStyle/>
+            <a:p>
+              <a:pPr algn="ctr"/>
+              <a:endParaRPr lang="en-US"/>
+            </a:p>
+          </p:txBody>
+        </p:sp>
+        <p:grpSp>
+          <p:nvGrpSpPr>
+            <p:cNvPr id="8" name="Group 7">
+              <a:extLst>
+                <a:ext uri="{FF2B5EF4-FFF2-40B4-BE49-F238E27FC236}">
+                  <a16:creationId xmlns:a16="http://schemas.microsoft.com/office/drawing/2014/main" id="{DCF6C2B5-BB56-B5B4-4553-2F9AFBB92637}"/>
+                </a:ext>
+              </a:extLst>
+            </p:cNvPr>
+            <p:cNvGrpSpPr/>
+            <p:nvPr/>
+          </p:nvGrpSpPr>
+          <p:grpSpPr>
+            <a:xfrm>
+              <a:off x="849086" y="1521228"/>
+              <a:ext cx="8582297" cy="2371503"/>
+              <a:chOff x="849086" y="1521228"/>
+              <a:chExt cx="8582297" cy="2371503"/>
+            </a:xfrm>
+          </p:grpSpPr>
+          <p:cxnSp>
+            <p:nvCxnSpPr>
+              <p:cNvPr id="5" name="Straight Connector 4">
+                <a:extLst>
+                  <a:ext uri="{FF2B5EF4-FFF2-40B4-BE49-F238E27FC236}">
+                    <a16:creationId xmlns:a16="http://schemas.microsoft.com/office/drawing/2014/main" id="{4C544244-F839-DD7F-9DEB-61FEB39DF9A1}"/>
+                  </a:ext>
+                </a:extLst>
+              </p:cNvPr>
+              <p:cNvCxnSpPr>
+                <a:endCxn id="3" idx="2"/>
+              </p:cNvCxnSpPr>
+              <p:nvPr/>
+            </p:nvCxnSpPr>
+            <p:spPr>
+              <a:xfrm flipV="1">
+                <a:off x="849086" y="3887982"/>
+                <a:ext cx="3319153" cy="4749"/>
+              </a:xfrm>
+              <a:prstGeom prst="line">
+                <a:avLst/>
+              </a:prstGeom>
+              <a:ln w="25400">
+                <a:solidFill>
+                  <a:srgbClr val="FF0000"/>
+                </a:solidFill>
+                <a:tailEnd type="none"/>
+              </a:ln>
+            </p:spPr>
+            <p:style>
+              <a:lnRef idx="2">
+                <a:schemeClr val="accent1"/>
+              </a:lnRef>
+              <a:fillRef idx="0">
+                <a:schemeClr val="accent1"/>
+              </a:fillRef>
+              <a:effectRef idx="1">
+                <a:schemeClr val="accent1"/>
+              </a:effectRef>
+              <a:fontRef idx="minor">
+                <a:schemeClr val="tx1"/>
+              </a:fontRef>
+            </p:style>
+          </p:cxnSp>
+          <p:cxnSp>
+            <p:nvCxnSpPr>
+              <p:cNvPr id="6" name="Straight Connector 5">
+                <a:extLst>
+                  <a:ext uri="{FF2B5EF4-FFF2-40B4-BE49-F238E27FC236}">
+                    <a16:creationId xmlns:a16="http://schemas.microsoft.com/office/drawing/2014/main" id="{78E67099-C491-CB8E-8AA5-486A5A8CF1F8}"/>
+                  </a:ext>
+                </a:extLst>
+              </p:cNvPr>
+              <p:cNvCxnSpPr>
+                <a:cxnSpLocks/>
+              </p:cNvCxnSpPr>
+              <p:nvPr/>
+            </p:nvCxnSpPr>
+            <p:spPr>
+              <a:xfrm flipV="1">
+                <a:off x="4168239" y="1521228"/>
+                <a:ext cx="5263144" cy="2366754"/>
+              </a:xfrm>
+              <a:prstGeom prst="line">
+                <a:avLst/>
+              </a:prstGeom>
+              <a:ln w="25400">
+                <a:solidFill>
+                  <a:srgbClr val="FF0000"/>
+                </a:solidFill>
+                <a:tailEnd type="triangle" w="lg" len="lg"/>
+              </a:ln>
+            </p:spPr>
+            <p:style>
+              <a:lnRef idx="2">
+                <a:schemeClr val="accent1"/>
+              </a:lnRef>
+              <a:fillRef idx="0">
+                <a:schemeClr val="accent1"/>
+              </a:fillRef>
+              <a:effectRef idx="1">
+                <a:schemeClr val="accent1"/>
+              </a:effectRef>
+              <a:fontRef idx="minor">
+                <a:schemeClr val="tx1"/>
+              </a:fontRef>
+            </p:style>
+          </p:cxnSp>
+        </p:grpSp>
+        <p:grpSp>
+          <p:nvGrpSpPr>
+            <p:cNvPr id="9" name="Group 8">
+              <a:extLst>
+                <a:ext uri="{FF2B5EF4-FFF2-40B4-BE49-F238E27FC236}">
+                  <a16:creationId xmlns:a16="http://schemas.microsoft.com/office/drawing/2014/main" id="{1D9294D7-9113-63B7-0683-741522A3B1E6}"/>
+                </a:ext>
+              </a:extLst>
+            </p:cNvPr>
+            <p:cNvGrpSpPr/>
+            <p:nvPr/>
+          </p:nvGrpSpPr>
+          <p:grpSpPr>
+            <a:xfrm>
+              <a:off x="1092926" y="722614"/>
+              <a:ext cx="8582297" cy="2371503"/>
+              <a:chOff x="849086" y="1521228"/>
+              <a:chExt cx="8582297" cy="2371503"/>
+            </a:xfrm>
+          </p:grpSpPr>
+          <p:cxnSp>
+            <p:nvCxnSpPr>
+              <p:cNvPr id="10" name="Straight Connector 9">
+                <a:extLst>
+                  <a:ext uri="{FF2B5EF4-FFF2-40B4-BE49-F238E27FC236}">
+                    <a16:creationId xmlns:a16="http://schemas.microsoft.com/office/drawing/2014/main" id="{BFC79258-4183-79CE-2460-91C79F659E4D}"/>
+                  </a:ext>
+                </a:extLst>
+              </p:cNvPr>
+              <p:cNvCxnSpPr/>
+              <p:nvPr/>
+            </p:nvCxnSpPr>
+            <p:spPr>
+              <a:xfrm flipV="1">
+                <a:off x="849086" y="3887982"/>
+                <a:ext cx="3319153" cy="4749"/>
+              </a:xfrm>
+              <a:prstGeom prst="line">
+                <a:avLst/>
+              </a:prstGeom>
+              <a:ln w="25400">
+                <a:solidFill>
+                  <a:srgbClr val="FF0000"/>
+                </a:solidFill>
+                <a:tailEnd type="none"/>
+              </a:ln>
+            </p:spPr>
+            <p:style>
+              <a:lnRef idx="2">
+                <a:schemeClr val="accent1"/>
+              </a:lnRef>
+              <a:fillRef idx="0">
+                <a:schemeClr val="accent1"/>
+              </a:fillRef>
+              <a:effectRef idx="1">
+                <a:schemeClr val="accent1"/>
+              </a:effectRef>
+              <a:fontRef idx="minor">
+                <a:schemeClr val="tx1"/>
+              </a:fontRef>
+            </p:style>
+          </p:cxnSp>
+          <p:cxnSp>
+            <p:nvCxnSpPr>
+              <p:cNvPr id="11" name="Straight Connector 10">
+                <a:extLst>
+                  <a:ext uri="{FF2B5EF4-FFF2-40B4-BE49-F238E27FC236}">
+                    <a16:creationId xmlns:a16="http://schemas.microsoft.com/office/drawing/2014/main" id="{383EA1FD-8BA5-6301-5B72-AA4E3B767077}"/>
+                  </a:ext>
+                </a:extLst>
+              </p:cNvPr>
+              <p:cNvCxnSpPr>
+                <a:cxnSpLocks/>
+              </p:cNvCxnSpPr>
+              <p:nvPr/>
+            </p:nvCxnSpPr>
+            <p:spPr>
+              <a:xfrm flipV="1">
+                <a:off x="4168239" y="1521228"/>
+                <a:ext cx="5263144" cy="2366754"/>
+              </a:xfrm>
+              <a:prstGeom prst="line">
+                <a:avLst/>
+              </a:prstGeom>
+              <a:ln w="25400">
+                <a:solidFill>
+                  <a:srgbClr val="FF0000"/>
+                </a:solidFill>
+                <a:tailEnd type="triangle" w="lg" len="lg"/>
+              </a:ln>
+            </p:spPr>
+            <p:style>
+              <a:lnRef idx="2">
+                <a:schemeClr val="accent1"/>
+              </a:lnRef>
+              <a:fillRef idx="0">
+                <a:schemeClr val="accent1"/>
+              </a:fillRef>
+              <a:effectRef idx="1">
+                <a:schemeClr val="accent1"/>
+              </a:effectRef>
+              <a:fontRef idx="minor">
+                <a:schemeClr val="tx1"/>
+              </a:fontRef>
+            </p:style>
+          </p:cxnSp>
+        </p:grpSp>
+        <p:grpSp>
+          <p:nvGrpSpPr>
+            <p:cNvPr id="12" name="Group 11">
+              <a:extLst>
+                <a:ext uri="{FF2B5EF4-FFF2-40B4-BE49-F238E27FC236}">
+                  <a16:creationId xmlns:a16="http://schemas.microsoft.com/office/drawing/2014/main" id="{00C3ECA3-7EE2-FA71-6C13-A1D5FE9D3468}"/>
+                </a:ext>
+              </a:extLst>
+            </p:cNvPr>
+            <p:cNvGrpSpPr/>
+            <p:nvPr/>
+          </p:nvGrpSpPr>
+          <p:grpSpPr>
+            <a:xfrm>
+              <a:off x="1092926" y="2295502"/>
+              <a:ext cx="8582297" cy="2371503"/>
+              <a:chOff x="849086" y="1521228"/>
+              <a:chExt cx="8582297" cy="2371503"/>
+            </a:xfrm>
+          </p:grpSpPr>
+          <p:cxnSp>
+            <p:nvCxnSpPr>
+              <p:cNvPr id="13" name="Straight Connector 12">
+                <a:extLst>
+                  <a:ext uri="{FF2B5EF4-FFF2-40B4-BE49-F238E27FC236}">
+                    <a16:creationId xmlns:a16="http://schemas.microsoft.com/office/drawing/2014/main" id="{C06B2166-DDA6-2A48-8980-EEB9C935E9E6}"/>
+                  </a:ext>
+                </a:extLst>
+              </p:cNvPr>
+              <p:cNvCxnSpPr/>
+              <p:nvPr/>
+            </p:nvCxnSpPr>
+            <p:spPr>
+              <a:xfrm flipV="1">
+                <a:off x="849086" y="3887982"/>
+                <a:ext cx="3319153" cy="4749"/>
+              </a:xfrm>
+              <a:prstGeom prst="line">
+                <a:avLst/>
+              </a:prstGeom>
+              <a:ln w="25400">
+                <a:solidFill>
+                  <a:srgbClr val="FF0000"/>
+                </a:solidFill>
+                <a:tailEnd type="none"/>
+              </a:ln>
+            </p:spPr>
+            <p:style>
+              <a:lnRef idx="2">
+                <a:schemeClr val="accent1"/>
+              </a:lnRef>
+              <a:fillRef idx="0">
+                <a:schemeClr val="accent1"/>
+              </a:fillRef>
+              <a:effectRef idx="1">
+                <a:schemeClr val="accent1"/>
+              </a:effectRef>
+              <a:fontRef idx="minor">
+                <a:schemeClr val="tx1"/>
+              </a:fontRef>
+            </p:style>
+          </p:cxnSp>
+          <p:cxnSp>
+            <p:nvCxnSpPr>
+              <p:cNvPr id="14" name="Straight Connector 13">
+                <a:extLst>
+                  <a:ext uri="{FF2B5EF4-FFF2-40B4-BE49-F238E27FC236}">
+                    <a16:creationId xmlns:a16="http://schemas.microsoft.com/office/drawing/2014/main" id="{4096E50A-AAD8-B17C-D37D-8868BDCB02D1}"/>
+                  </a:ext>
+                </a:extLst>
+              </p:cNvPr>
+              <p:cNvCxnSpPr>
+                <a:cxnSpLocks/>
+              </p:cNvCxnSpPr>
+              <p:nvPr/>
+            </p:nvCxnSpPr>
+            <p:spPr>
+              <a:xfrm flipV="1">
+                <a:off x="4168239" y="1521228"/>
+                <a:ext cx="5263144" cy="2366754"/>
+              </a:xfrm>
+              <a:prstGeom prst="line">
+                <a:avLst/>
+              </a:prstGeom>
+              <a:ln w="25400">
+                <a:solidFill>
+                  <a:srgbClr val="FF0000"/>
+                </a:solidFill>
+                <a:tailEnd type="triangle" w="lg" len="lg"/>
+              </a:ln>
+            </p:spPr>
+            <p:style>
+              <a:lnRef idx="2">
+                <a:schemeClr val="accent1"/>
+              </a:lnRef>
+              <a:fillRef idx="0">
+                <a:schemeClr val="accent1"/>
+              </a:fillRef>
+              <a:effectRef idx="1">
+                <a:schemeClr val="accent1"/>
+              </a:effectRef>
+              <a:fontRef idx="minor">
+                <a:schemeClr val="tx1"/>
+              </a:fontRef>
+            </p:style>
+          </p:cxnSp>
+        </p:grpSp>
+        <p:grpSp>
+          <p:nvGrpSpPr>
+            <p:cNvPr id="15" name="Group 14">
+              <a:extLst>
+                <a:ext uri="{FF2B5EF4-FFF2-40B4-BE49-F238E27FC236}">
+                  <a16:creationId xmlns:a16="http://schemas.microsoft.com/office/drawing/2014/main" id="{CD987EB3-3995-DDE9-A873-C977009BCD32}"/>
+                </a:ext>
+              </a:extLst>
+            </p:cNvPr>
+            <p:cNvGrpSpPr/>
+            <p:nvPr/>
+          </p:nvGrpSpPr>
+          <p:grpSpPr>
+            <a:xfrm>
+              <a:off x="3326671" y="2545431"/>
+              <a:ext cx="8582297" cy="2371503"/>
+              <a:chOff x="849086" y="1521228"/>
+              <a:chExt cx="8582297" cy="2371503"/>
+            </a:xfrm>
+          </p:grpSpPr>
+          <p:cxnSp>
+            <p:nvCxnSpPr>
+              <p:cNvPr id="16" name="Straight Connector 15">
+                <a:extLst>
+                  <a:ext uri="{FF2B5EF4-FFF2-40B4-BE49-F238E27FC236}">
+                    <a16:creationId xmlns:a16="http://schemas.microsoft.com/office/drawing/2014/main" id="{75A3375E-F34A-578E-5879-F4793AB510B2}"/>
+                  </a:ext>
+                </a:extLst>
+              </p:cNvPr>
+              <p:cNvCxnSpPr/>
+              <p:nvPr/>
+            </p:nvCxnSpPr>
+            <p:spPr>
+              <a:xfrm flipV="1">
+                <a:off x="849086" y="3887982"/>
+                <a:ext cx="3319153" cy="4749"/>
+              </a:xfrm>
+              <a:prstGeom prst="line">
+                <a:avLst/>
+              </a:prstGeom>
+              <a:ln w="25400">
+                <a:solidFill>
+                  <a:srgbClr val="FF0000"/>
+                </a:solidFill>
+                <a:tailEnd type="none"/>
+              </a:ln>
+            </p:spPr>
+            <p:style>
+              <a:lnRef idx="2">
+                <a:schemeClr val="accent1"/>
+              </a:lnRef>
+              <a:fillRef idx="0">
+                <a:schemeClr val="accent1"/>
+              </a:fillRef>
+              <a:effectRef idx="1">
+                <a:schemeClr val="accent1"/>
+              </a:effectRef>
+              <a:fontRef idx="minor">
+                <a:schemeClr val="tx1"/>
+              </a:fontRef>
+            </p:style>
+          </p:cxnSp>
+          <p:cxnSp>
+            <p:nvCxnSpPr>
+              <p:cNvPr id="17" name="Straight Connector 16">
+                <a:extLst>
+                  <a:ext uri="{FF2B5EF4-FFF2-40B4-BE49-F238E27FC236}">
+                    <a16:creationId xmlns:a16="http://schemas.microsoft.com/office/drawing/2014/main" id="{C4B37F4A-D704-36A3-7673-9CD5DBF273B8}"/>
+                  </a:ext>
+                </a:extLst>
+              </p:cNvPr>
+              <p:cNvCxnSpPr>
+                <a:cxnSpLocks/>
+              </p:cNvCxnSpPr>
+              <p:nvPr/>
+            </p:nvCxnSpPr>
+            <p:spPr>
+              <a:xfrm flipV="1">
+                <a:off x="4168239" y="1521228"/>
+                <a:ext cx="5263144" cy="2366754"/>
+              </a:xfrm>
+              <a:prstGeom prst="line">
+                <a:avLst/>
+              </a:prstGeom>
+              <a:ln w="25400">
+                <a:solidFill>
+                  <a:srgbClr val="FF0000"/>
+                </a:solidFill>
+                <a:tailEnd type="triangle" w="lg" len="lg"/>
+              </a:ln>
+            </p:spPr>
+            <p:style>
+              <a:lnRef idx="2">
+                <a:schemeClr val="accent1"/>
+              </a:lnRef>
+              <a:fillRef idx="0">
+                <a:schemeClr val="accent1"/>
+              </a:fillRef>
+              <a:effectRef idx="1">
+                <a:schemeClr val="accent1"/>
+              </a:effectRef>
+              <a:fontRef idx="minor">
+                <a:schemeClr val="tx1"/>
+              </a:fontRef>
+            </p:style>
+          </p:cxnSp>
+        </p:grpSp>
+        <p:grpSp>
+          <p:nvGrpSpPr>
+            <p:cNvPr id="18" name="Group 17">
+              <a:extLst>
+                <a:ext uri="{FF2B5EF4-FFF2-40B4-BE49-F238E27FC236}">
+                  <a16:creationId xmlns:a16="http://schemas.microsoft.com/office/drawing/2014/main" id="{73CA5752-22C3-FB3D-B16A-D98C5A240B3A}"/>
+                </a:ext>
+              </a:extLst>
+            </p:cNvPr>
+            <p:cNvGrpSpPr/>
+            <p:nvPr/>
+          </p:nvGrpSpPr>
+          <p:grpSpPr>
+            <a:xfrm>
+              <a:off x="3609703" y="2093945"/>
+              <a:ext cx="8582297" cy="2371503"/>
+              <a:chOff x="849086" y="1521228"/>
+              <a:chExt cx="8582297" cy="2371503"/>
+            </a:xfrm>
+          </p:grpSpPr>
+          <p:cxnSp>
+            <p:nvCxnSpPr>
+              <p:cNvPr id="19" name="Straight Connector 18">
+                <a:extLst>
+                  <a:ext uri="{FF2B5EF4-FFF2-40B4-BE49-F238E27FC236}">
+                    <a16:creationId xmlns:a16="http://schemas.microsoft.com/office/drawing/2014/main" id="{7803D636-57D6-1984-5D93-E9BA67748038}"/>
+                  </a:ext>
+                </a:extLst>
+              </p:cNvPr>
+              <p:cNvCxnSpPr/>
+              <p:nvPr/>
+            </p:nvCxnSpPr>
+            <p:spPr>
+              <a:xfrm flipV="1">
+                <a:off x="849086" y="3887982"/>
+                <a:ext cx="3319153" cy="4749"/>
+              </a:xfrm>
+              <a:prstGeom prst="line">
+                <a:avLst/>
+              </a:prstGeom>
+              <a:ln w="25400">
+                <a:solidFill>
+                  <a:srgbClr val="FF0000"/>
+                </a:solidFill>
+                <a:tailEnd type="none"/>
+              </a:ln>
+            </p:spPr>
+            <p:style>
+              <a:lnRef idx="2">
+                <a:schemeClr val="accent1"/>
+              </a:lnRef>
+              <a:fillRef idx="0">
+                <a:schemeClr val="accent1"/>
+              </a:fillRef>
+              <a:effectRef idx="1">
+                <a:schemeClr val="accent1"/>
+              </a:effectRef>
+              <a:fontRef idx="minor">
+                <a:schemeClr val="tx1"/>
+              </a:fontRef>
+            </p:style>
+          </p:cxnSp>
+          <p:cxnSp>
+            <p:nvCxnSpPr>
+              <p:cNvPr id="20" name="Straight Connector 19">
+                <a:extLst>
+                  <a:ext uri="{FF2B5EF4-FFF2-40B4-BE49-F238E27FC236}">
+                    <a16:creationId xmlns:a16="http://schemas.microsoft.com/office/drawing/2014/main" id="{1EAF9ECF-9051-8870-64F3-E348C66F8A47}"/>
+                  </a:ext>
+                </a:extLst>
+              </p:cNvPr>
+              <p:cNvCxnSpPr>
+                <a:cxnSpLocks/>
+              </p:cNvCxnSpPr>
+              <p:nvPr/>
+            </p:nvCxnSpPr>
+            <p:spPr>
+              <a:xfrm flipV="1">
+                <a:off x="4168239" y="1521228"/>
+                <a:ext cx="5263144" cy="2366754"/>
+              </a:xfrm>
+              <a:prstGeom prst="line">
+                <a:avLst/>
+              </a:prstGeom>
+              <a:ln w="25400">
+                <a:solidFill>
+                  <a:srgbClr val="FF0000"/>
+                </a:solidFill>
+                <a:tailEnd type="triangle" w="lg" len="lg"/>
+              </a:ln>
+            </p:spPr>
+            <p:style>
+              <a:lnRef idx="2">
+                <a:schemeClr val="accent1"/>
+              </a:lnRef>
+              <a:fillRef idx="0">
+                <a:schemeClr val="accent1"/>
+              </a:fillRef>
+              <a:effectRef idx="1">
+                <a:schemeClr val="accent1"/>
+              </a:effectRef>
+              <a:fontRef idx="minor">
+                <a:schemeClr val="tx1"/>
+              </a:fontRef>
+            </p:style>
+          </p:cxnSp>
+        </p:grpSp>
+        <p:grpSp>
+          <p:nvGrpSpPr>
+            <p:cNvPr id="21" name="Group 20">
+              <a:extLst>
+                <a:ext uri="{FF2B5EF4-FFF2-40B4-BE49-F238E27FC236}">
+                  <a16:creationId xmlns:a16="http://schemas.microsoft.com/office/drawing/2014/main" id="{BA780868-4EB4-D6A3-95F5-D9124726C2BC}"/>
+                </a:ext>
+              </a:extLst>
+            </p:cNvPr>
+            <p:cNvGrpSpPr/>
+            <p:nvPr/>
+          </p:nvGrpSpPr>
+          <p:grpSpPr>
+            <a:xfrm>
+              <a:off x="3609703" y="887529"/>
+              <a:ext cx="8582297" cy="2371503"/>
+              <a:chOff x="849086" y="1521228"/>
+              <a:chExt cx="8582297" cy="2371503"/>
+            </a:xfrm>
+          </p:grpSpPr>
+          <p:cxnSp>
+            <p:nvCxnSpPr>
+              <p:cNvPr id="22" name="Straight Connector 21">
+                <a:extLst>
+                  <a:ext uri="{FF2B5EF4-FFF2-40B4-BE49-F238E27FC236}">
+                    <a16:creationId xmlns:a16="http://schemas.microsoft.com/office/drawing/2014/main" id="{E312CBF6-39D4-B699-3F88-7754DCD6AEA0}"/>
+                  </a:ext>
+                </a:extLst>
+              </p:cNvPr>
+              <p:cNvCxnSpPr/>
+              <p:nvPr/>
+            </p:nvCxnSpPr>
+            <p:spPr>
+              <a:xfrm flipV="1">
+                <a:off x="849086" y="3887982"/>
+                <a:ext cx="3319153" cy="4749"/>
+              </a:xfrm>
+              <a:prstGeom prst="line">
+                <a:avLst/>
+              </a:prstGeom>
+              <a:ln w="25400">
+                <a:solidFill>
+                  <a:srgbClr val="FF0000"/>
+                </a:solidFill>
+                <a:tailEnd type="none"/>
+              </a:ln>
+            </p:spPr>
+            <p:style>
+              <a:lnRef idx="2">
+                <a:schemeClr val="accent1"/>
+              </a:lnRef>
+              <a:fillRef idx="0">
+                <a:schemeClr val="accent1"/>
+              </a:fillRef>
+              <a:effectRef idx="1">
+                <a:schemeClr val="accent1"/>
+              </a:effectRef>
+              <a:fontRef idx="minor">
+                <a:schemeClr val="tx1"/>
+              </a:fontRef>
+            </p:style>
+          </p:cxnSp>
+          <p:cxnSp>
+            <p:nvCxnSpPr>
+              <p:cNvPr id="23" name="Straight Connector 22">
+                <a:extLst>
+                  <a:ext uri="{FF2B5EF4-FFF2-40B4-BE49-F238E27FC236}">
+                    <a16:creationId xmlns:a16="http://schemas.microsoft.com/office/drawing/2014/main" id="{4FDFEF85-F1DB-22A6-B617-FC144DF16B86}"/>
+                  </a:ext>
+                </a:extLst>
+              </p:cNvPr>
+              <p:cNvCxnSpPr>
+                <a:cxnSpLocks/>
+              </p:cNvCxnSpPr>
+              <p:nvPr/>
+            </p:nvCxnSpPr>
+            <p:spPr>
+              <a:xfrm flipV="1">
+                <a:off x="4168239" y="1521228"/>
+                <a:ext cx="5263144" cy="2366754"/>
+              </a:xfrm>
+              <a:prstGeom prst="line">
+                <a:avLst/>
+              </a:prstGeom>
+              <a:ln w="25400">
+                <a:solidFill>
+                  <a:srgbClr val="FF0000"/>
+                </a:solidFill>
+                <a:tailEnd type="triangle" w="lg" len="lg"/>
+              </a:ln>
+            </p:spPr>
+            <p:style>
+              <a:lnRef idx="2">
+                <a:schemeClr val="accent1"/>
+              </a:lnRef>
+              <a:fillRef idx="0">
+                <a:schemeClr val="accent1"/>
+              </a:fillRef>
+              <a:effectRef idx="1">
+                <a:schemeClr val="accent1"/>
+              </a:effectRef>
+              <a:fontRef idx="minor">
+                <a:schemeClr val="tx1"/>
+              </a:fontRef>
+            </p:style>
+          </p:cxnSp>
+        </p:grpSp>
+        <p:grpSp>
+          <p:nvGrpSpPr>
+            <p:cNvPr id="24" name="Group 23">
+              <a:extLst>
+                <a:ext uri="{FF2B5EF4-FFF2-40B4-BE49-F238E27FC236}">
+                  <a16:creationId xmlns:a16="http://schemas.microsoft.com/office/drawing/2014/main" id="{A7630005-A0F0-F84F-D63D-C217EAC10E6D}"/>
+                </a:ext>
+              </a:extLst>
+            </p:cNvPr>
+            <p:cNvGrpSpPr/>
+            <p:nvPr/>
+          </p:nvGrpSpPr>
+          <p:grpSpPr>
+            <a:xfrm>
+              <a:off x="849086" y="1253440"/>
+              <a:ext cx="8582297" cy="2371503"/>
+              <a:chOff x="849086" y="1521228"/>
+              <a:chExt cx="8582297" cy="2371503"/>
+            </a:xfrm>
+          </p:grpSpPr>
+          <p:cxnSp>
+            <p:nvCxnSpPr>
+              <p:cNvPr id="25" name="Straight Connector 24">
+                <a:extLst>
+                  <a:ext uri="{FF2B5EF4-FFF2-40B4-BE49-F238E27FC236}">
+                    <a16:creationId xmlns:a16="http://schemas.microsoft.com/office/drawing/2014/main" id="{CFB55057-1073-C854-E571-094CC43DA6F7}"/>
+                  </a:ext>
+                </a:extLst>
+              </p:cNvPr>
+              <p:cNvCxnSpPr/>
+              <p:nvPr/>
+            </p:nvCxnSpPr>
+            <p:spPr>
+              <a:xfrm flipV="1">
+                <a:off x="849086" y="3887982"/>
+                <a:ext cx="3319153" cy="4749"/>
+              </a:xfrm>
+              <a:prstGeom prst="line">
+                <a:avLst/>
+              </a:prstGeom>
+              <a:ln w="25400">
+                <a:solidFill>
+                  <a:srgbClr val="FF0000"/>
+                </a:solidFill>
+                <a:tailEnd type="none"/>
+              </a:ln>
+            </p:spPr>
+            <p:style>
+              <a:lnRef idx="2">
+                <a:schemeClr val="accent1"/>
+              </a:lnRef>
+              <a:fillRef idx="0">
+                <a:schemeClr val="accent1"/>
+              </a:fillRef>
+              <a:effectRef idx="1">
+                <a:schemeClr val="accent1"/>
+              </a:effectRef>
+              <a:fontRef idx="minor">
+                <a:schemeClr val="tx1"/>
+              </a:fontRef>
+            </p:style>
+          </p:cxnSp>
+          <p:cxnSp>
+            <p:nvCxnSpPr>
+              <p:cNvPr id="26" name="Straight Connector 25">
+                <a:extLst>
+                  <a:ext uri="{FF2B5EF4-FFF2-40B4-BE49-F238E27FC236}">
+                    <a16:creationId xmlns:a16="http://schemas.microsoft.com/office/drawing/2014/main" id="{0F8E219C-C25A-C188-B3E3-503F4F33EF22}"/>
+                  </a:ext>
+                </a:extLst>
+              </p:cNvPr>
+              <p:cNvCxnSpPr>
+                <a:cxnSpLocks/>
+              </p:cNvCxnSpPr>
+              <p:nvPr/>
+            </p:nvCxnSpPr>
+            <p:spPr>
+              <a:xfrm flipV="1">
+                <a:off x="4168239" y="1521228"/>
+                <a:ext cx="5263144" cy="2366754"/>
+              </a:xfrm>
+              <a:prstGeom prst="line">
+                <a:avLst/>
+              </a:prstGeom>
+              <a:ln w="25400">
+                <a:solidFill>
+                  <a:srgbClr val="FF0000"/>
+                </a:solidFill>
+                <a:tailEnd type="triangle" w="lg" len="lg"/>
+              </a:ln>
+            </p:spPr>
+            <p:style>
+              <a:lnRef idx="2">
+                <a:schemeClr val="accent1"/>
+              </a:lnRef>
+              <a:fillRef idx="0">
+                <a:schemeClr val="accent1"/>
+              </a:fillRef>
+              <a:effectRef idx="1">
+                <a:schemeClr val="accent1"/>
+              </a:effectRef>
+              <a:fontRef idx="minor">
+                <a:schemeClr val="tx1"/>
+              </a:fontRef>
+            </p:style>
+          </p:cxnSp>
+        </p:grpSp>
+        <p:grpSp>
+          <p:nvGrpSpPr>
+            <p:cNvPr id="27" name="Group 26">
+              <a:extLst>
+                <a:ext uri="{FF2B5EF4-FFF2-40B4-BE49-F238E27FC236}">
+                  <a16:creationId xmlns:a16="http://schemas.microsoft.com/office/drawing/2014/main" id="{BBDA7F92-782F-7623-D64D-C0BF9FA9E5DE}"/>
+                </a:ext>
+              </a:extLst>
+            </p:cNvPr>
+            <p:cNvGrpSpPr/>
+            <p:nvPr/>
+          </p:nvGrpSpPr>
+          <p:grpSpPr>
+            <a:xfrm>
+              <a:off x="3732614" y="1413606"/>
+              <a:ext cx="8582297" cy="2371503"/>
+              <a:chOff x="849086" y="1521228"/>
+              <a:chExt cx="8582297" cy="2371503"/>
+            </a:xfrm>
+          </p:grpSpPr>
+          <p:cxnSp>
+            <p:nvCxnSpPr>
+              <p:cNvPr id="28" name="Straight Connector 27">
+                <a:extLst>
+                  <a:ext uri="{FF2B5EF4-FFF2-40B4-BE49-F238E27FC236}">
+                    <a16:creationId xmlns:a16="http://schemas.microsoft.com/office/drawing/2014/main" id="{893E34BF-253A-EC87-552D-655B1C6F6E8F}"/>
+                  </a:ext>
+                </a:extLst>
+              </p:cNvPr>
+              <p:cNvCxnSpPr/>
+              <p:nvPr/>
+            </p:nvCxnSpPr>
+            <p:spPr>
+              <a:xfrm flipV="1">
+                <a:off x="849086" y="3887982"/>
+                <a:ext cx="3319153" cy="4749"/>
+              </a:xfrm>
+              <a:prstGeom prst="line">
+                <a:avLst/>
+              </a:prstGeom>
+              <a:ln w="25400">
+                <a:solidFill>
+                  <a:srgbClr val="FF0000"/>
+                </a:solidFill>
+                <a:tailEnd type="none"/>
+              </a:ln>
+            </p:spPr>
+            <p:style>
+              <a:lnRef idx="2">
+                <a:schemeClr val="accent1"/>
+              </a:lnRef>
+              <a:fillRef idx="0">
+                <a:schemeClr val="accent1"/>
+              </a:fillRef>
+              <a:effectRef idx="1">
+                <a:schemeClr val="accent1"/>
+              </a:effectRef>
+              <a:fontRef idx="minor">
+                <a:schemeClr val="tx1"/>
+              </a:fontRef>
+            </p:style>
+          </p:cxnSp>
+          <p:cxnSp>
+            <p:nvCxnSpPr>
+              <p:cNvPr id="29" name="Straight Connector 28">
+                <a:extLst>
+                  <a:ext uri="{FF2B5EF4-FFF2-40B4-BE49-F238E27FC236}">
+                    <a16:creationId xmlns:a16="http://schemas.microsoft.com/office/drawing/2014/main" id="{FF41FEEE-B0BF-E07B-6166-E8301446319A}"/>
+                  </a:ext>
+                </a:extLst>
+              </p:cNvPr>
+              <p:cNvCxnSpPr>
+                <a:cxnSpLocks/>
+              </p:cNvCxnSpPr>
+              <p:nvPr/>
+            </p:nvCxnSpPr>
+            <p:spPr>
+              <a:xfrm flipV="1">
+                <a:off x="4168239" y="1521228"/>
+                <a:ext cx="5263144" cy="2366754"/>
+              </a:xfrm>
+              <a:prstGeom prst="line">
+                <a:avLst/>
+              </a:prstGeom>
+              <a:ln w="25400">
+                <a:solidFill>
+                  <a:srgbClr val="FF0000"/>
+                </a:solidFill>
+                <a:tailEnd type="triangle" w="lg" len="lg"/>
+              </a:ln>
+            </p:spPr>
+            <p:style>
+              <a:lnRef idx="2">
+                <a:schemeClr val="accent1"/>
+              </a:lnRef>
+              <a:fillRef idx="0">
+                <a:schemeClr val="accent1"/>
+              </a:fillRef>
+              <a:effectRef idx="1">
+                <a:schemeClr val="accent1"/>
+              </a:effectRef>
+              <a:fontRef idx="minor">
+                <a:schemeClr val="tx1"/>
+              </a:fontRef>
+            </p:style>
+          </p:cxnSp>
+        </p:grpSp>
+      </p:grpSp>
+      <p:sp>
+        <p:nvSpPr>
+          <p:cNvPr id="31" name="TextBox 30">
+            <a:extLst>
+              <a:ext uri="{FF2B5EF4-FFF2-40B4-BE49-F238E27FC236}">
+                <a16:creationId xmlns:a16="http://schemas.microsoft.com/office/drawing/2014/main" id="{62AD98B7-039A-8ABA-164D-E8AC1E502D72}"/>
+              </a:ext>
+            </a:extLst>
+          </p:cNvPr>
+          <p:cNvSpPr txBox="1"/>
+          <p:nvPr/>
+        </p:nvSpPr>
+        <p:spPr>
+          <a:xfrm>
+            <a:off x="400595" y="1737360"/>
+            <a:ext cx="5927328" cy="1384995"/>
+          </a:xfrm>
+          <a:prstGeom prst="rect">
+            <a:avLst/>
+          </a:prstGeom>
+          <a:noFill/>
+        </p:spPr>
+        <p:txBody>
+          <a:bodyPr wrap="none" rtlCol="0">
+            <a:spAutoFit/>
+          </a:bodyPr>
+          <a:lstStyle/>
+          <a:p>
+            <a:r>
+              <a:rPr lang="en-US" sz="2800" dirty="0"/>
+              <a:t>As in optics, all pathways that scatter</a:t>
+            </a:r>
+          </a:p>
+          <a:p>
+            <a:r>
+              <a:rPr lang="en-US" sz="2800" dirty="0"/>
+              <a:t>in the same direction interfere with</a:t>
+            </a:r>
+          </a:p>
+          <a:p>
+            <a:r>
+              <a:rPr lang="en-US" sz="2800" dirty="0"/>
+              <a:t>each other.</a:t>
+            </a:r>
+          </a:p>
+        </p:txBody>
+      </p:sp>
+      <p:sp>
+        <p:nvSpPr>
+          <p:cNvPr id="32" name="TextBox 31">
+            <a:extLst>
+              <a:ext uri="{FF2B5EF4-FFF2-40B4-BE49-F238E27FC236}">
+                <a16:creationId xmlns:a16="http://schemas.microsoft.com/office/drawing/2014/main" id="{375C50BA-A0FF-11B6-EAA0-EB89BE9BE897}"/>
+              </a:ext>
+            </a:extLst>
+          </p:cNvPr>
+          <p:cNvSpPr txBox="1"/>
+          <p:nvPr/>
+        </p:nvSpPr>
+        <p:spPr>
+          <a:xfrm>
+            <a:off x="6474412" y="5345638"/>
+            <a:ext cx="5596468" cy="1384995"/>
+          </a:xfrm>
+          <a:prstGeom prst="rect">
+            <a:avLst/>
+          </a:prstGeom>
+          <a:noFill/>
+        </p:spPr>
+        <p:txBody>
+          <a:bodyPr wrap="none" rtlCol="0">
+            <a:spAutoFit/>
+          </a:bodyPr>
+          <a:lstStyle/>
+          <a:p>
+            <a:r>
+              <a:rPr lang="en-US" sz="2800" dirty="0"/>
+              <a:t>[this is a 2-dimensional illustration.</a:t>
+            </a:r>
+          </a:p>
+          <a:p>
+            <a:r>
+              <a:rPr lang="en-US" sz="2800" dirty="0"/>
+              <a:t>In 3 dimensions, all points on the </a:t>
+            </a:r>
+          </a:p>
+          <a:p>
+            <a:r>
+              <a:rPr lang="en-US" sz="2800" dirty="0"/>
+              <a:t>surface of the sphere contribute]</a:t>
+            </a:r>
+          </a:p>
+        </p:txBody>
+      </p:sp>
+    </p:spTree>
+    <p:extLst>
+      <p:ext uri="{BB962C8B-B14F-4D97-AF65-F5344CB8AC3E}">
+        <p14:creationId xmlns:p14="http://schemas.microsoft.com/office/powerpoint/2010/main" val="1201895923"/>
+      </p:ext>
+    </p:extLst>
+  </p:cSld>
+  <p:clrMapOvr>
+    <a:masterClrMapping/>
+  </p:clrMapOvr>
+</p:sld>
+</file>
+
+<file path=ppt/slides/slide8.xml><?xml version="1.0" encoding="utf-8"?>
+<p:sld xmlns:a="http://schemas.openxmlformats.org/drawingml/2006/main" xmlns:r="http://schemas.openxmlformats.org/officeDocument/2006/relationships" xmlns:p="http://schemas.openxmlformats.org/presentationml/2006/main">
+  <p:cSld>
+    <p:spTree>
+      <p:nvGrpSpPr>
+        <p:cNvPr id="1" name=""/>
+        <p:cNvGrpSpPr/>
+        <p:nvPr/>
+      </p:nvGrpSpPr>
+      <p:grpSpPr>
+        <a:xfrm>
+          <a:off x="0" y="0"/>
+          <a:ext cx="0" cy="0"/>
+          <a:chOff x="0" y="0"/>
+          <a:chExt cx="0" cy="0"/>
+        </a:xfrm>
+      </p:grpSpPr>
+      <p:sp>
+        <p:nvSpPr>
+          <p:cNvPr id="2" name="Title 1">
+            <a:extLst>
+              <a:ext uri="{FF2B5EF4-FFF2-40B4-BE49-F238E27FC236}">
                 <a16:creationId xmlns:a16="http://schemas.microsoft.com/office/drawing/2014/main" id="{98B264E1-C035-5EA2-A666-C7B86383C184}"/>
               </a:ext>
             </a:extLst>
@@ -7278,7 +8517,7 @@
 </p:sld>
 </file>
 
-<file path=ppt/slides/slide8.xml><?xml version="1.0" encoding="utf-8"?>
+<file path=ppt/slides/slide9.xml><?xml version="1.0" encoding="utf-8"?>
 <p:sld xmlns:a="http://schemas.openxmlformats.org/drawingml/2006/main" xmlns:r="http://schemas.openxmlformats.org/officeDocument/2006/relationships" xmlns:p="http://schemas.openxmlformats.org/presentationml/2006/main">
   <p:cSld>
     <p:spTree>
@@ -7675,140 +8914,6 @@
     <p:extLst>
       <p:ext uri="{BB962C8B-B14F-4D97-AF65-F5344CB8AC3E}">
         <p14:creationId xmlns:p14="http://schemas.microsoft.com/office/powerpoint/2010/main" val="3105467777"/>
-      </p:ext>
-    </p:extLst>
-  </p:cSld>
-  <p:clrMapOvr>
-    <a:masterClrMapping/>
-  </p:clrMapOvr>
-</p:sld>
-</file>
-
-<file path=ppt/slides/slide9.xml><?xml version="1.0" encoding="utf-8"?>
-<p:sld xmlns:a="http://schemas.openxmlformats.org/drawingml/2006/main" xmlns:r="http://schemas.openxmlformats.org/officeDocument/2006/relationships" xmlns:p="http://schemas.openxmlformats.org/presentationml/2006/main">
-  <p:cSld>
-    <p:spTree>
-      <p:nvGrpSpPr>
-        <p:cNvPr id="1" name=""/>
-        <p:cNvGrpSpPr/>
-        <p:nvPr/>
-      </p:nvGrpSpPr>
-      <p:grpSpPr>
-        <a:xfrm>
-          <a:off x="0" y="0"/>
-          <a:ext cx="0" cy="0"/>
-          <a:chOff x="0" y="0"/>
-          <a:chExt cx="0" cy="0"/>
-        </a:xfrm>
-      </p:grpSpPr>
-      <p:sp>
-        <p:nvSpPr>
-          <p:cNvPr id="2" name="Title 1">
-            <a:extLst>
-              <a:ext uri="{FF2B5EF4-FFF2-40B4-BE49-F238E27FC236}">
-                <a16:creationId xmlns:a16="http://schemas.microsoft.com/office/drawing/2014/main" id="{638E76BD-F574-D175-C3A7-CBE76EBB27E2}"/>
-              </a:ext>
-            </a:extLst>
-          </p:cNvPr>
-          <p:cNvSpPr>
-            <a:spLocks noGrp="1"/>
-          </p:cNvSpPr>
-          <p:nvPr>
-            <p:ph type="title"/>
-          </p:nvPr>
-        </p:nvSpPr>
-        <p:spPr>
-          <a:xfrm>
-            <a:off x="838200" y="365125"/>
-            <a:ext cx="10515600" cy="691779"/>
-          </a:xfrm>
-        </p:spPr>
-        <p:txBody>
-          <a:bodyPr>
-            <a:normAutofit fontScale="90000"/>
-          </a:bodyPr>
-          <a:lstStyle/>
-          <a:p>
-            <a:r>
-              <a:rPr lang="en-US" dirty="0"/>
-              <a:t>Summary</a:t>
-            </a:r>
-          </a:p>
-        </p:txBody>
-      </p:sp>
-      <p:sp>
-        <p:nvSpPr>
-          <p:cNvPr id="3" name="TextBox 2">
-            <a:extLst>
-              <a:ext uri="{FF2B5EF4-FFF2-40B4-BE49-F238E27FC236}">
-                <a16:creationId xmlns:a16="http://schemas.microsoft.com/office/drawing/2014/main" id="{789A4E55-7F3E-C163-0E48-2A416344C13A}"/>
-              </a:ext>
-            </a:extLst>
-          </p:cNvPr>
-          <p:cNvSpPr txBox="1"/>
-          <p:nvPr/>
-        </p:nvSpPr>
-        <p:spPr>
-          <a:xfrm>
-            <a:off x="838200" y="998909"/>
-            <a:ext cx="10965873" cy="5632311"/>
-          </a:xfrm>
-          <a:prstGeom prst="rect">
-            <a:avLst/>
-          </a:prstGeom>
-          <a:noFill/>
-        </p:spPr>
-        <p:txBody>
-          <a:bodyPr wrap="square" rtlCol="0">
-            <a:spAutoFit/>
-          </a:bodyPr>
-          <a:lstStyle/>
-          <a:p>
-            <a:pPr marL="285750" indent="-285750">
-              <a:buFont typeface="Arial" panose="020B0604020202020204" pitchFamily="34" charset="0"/>
-              <a:buChar char="•"/>
-            </a:pPr>
-            <a:r>
-              <a:rPr lang="en-US" sz="3000" dirty="0"/>
-              <a:t>In the hard sphere scattering model, energy and momentum conservation lead to a maximum attainable recoil energy.</a:t>
-            </a:r>
-          </a:p>
-          <a:p>
-            <a:pPr marL="285750" indent="-285750">
-              <a:buFont typeface="Arial" panose="020B0604020202020204" pitchFamily="34" charset="0"/>
-              <a:buChar char="•"/>
-            </a:pPr>
-            <a:r>
-              <a:rPr lang="en-US" sz="3000" dirty="0"/>
-              <a:t>Assuming a single point of impact equally likely anywhere on the disk of impact points relative to the incoming WIMP, leads to a prediction of a uniform probability density of WIMP recoil energies up to the maximum kinematically permitted.</a:t>
-            </a:r>
-          </a:p>
-          <a:p>
-            <a:pPr marL="285750" indent="-285750">
-              <a:buFont typeface="Arial" panose="020B0604020202020204" pitchFamily="34" charset="0"/>
-              <a:buChar char="•"/>
-            </a:pPr>
-            <a:r>
-              <a:rPr lang="en-US" sz="3000" dirty="0"/>
-              <a:t>A quantum analysis contradicts this – interference predicts a form factor that is down by about a factor of 30 at the maximum recoil energy, for A=131.</a:t>
-            </a:r>
-          </a:p>
-          <a:p>
-            <a:pPr marL="285750" indent="-285750">
-              <a:buFont typeface="Arial" panose="020B0604020202020204" pitchFamily="34" charset="0"/>
-              <a:buChar char="•"/>
-            </a:pPr>
-            <a:r>
-              <a:rPr lang="en-US" sz="3000" dirty="0"/>
-              <a:t>Therefore,  to be sensitive, detectors need as low an energy threshold as possible, as event rates at low recoil energies are far more common than event rates at high recoil energies.</a:t>
-            </a:r>
-          </a:p>
-        </p:txBody>
-      </p:sp>
-    </p:spTree>
-    <p:extLst>
-      <p:ext uri="{BB962C8B-B14F-4D97-AF65-F5344CB8AC3E}">
-        <p14:creationId xmlns:p14="http://schemas.microsoft.com/office/powerpoint/2010/main" val="1736420457"/>
       </p:ext>
     </p:extLst>
   </p:cSld>
